--- a/presentation/Presentation.pptx
+++ b/presentation/Presentation.pptx
@@ -13,6 +13,12 @@
     <p:sldId id="261" r:id="rId7"/>
     <p:sldId id="262" r:id="rId8"/>
     <p:sldId id="263" r:id="rId9"/>
+    <p:sldId id="264" r:id="rId10"/>
+    <p:sldId id="268" r:id="rId11"/>
+    <p:sldId id="265" r:id="rId12"/>
+    <p:sldId id="266" r:id="rId13"/>
+    <p:sldId id="267" r:id="rId14"/>
+    <p:sldId id="269" r:id="rId15"/>
   </p:sldIdLst>
   <p:sldSz cx="12192000" cy="6858000"/>
   <p:notesSz cx="6858000" cy="9144000"/>
@@ -136,7 +142,7 @@
           <p:cNvPr id="2" name="Title 1">
             <a:extLst>
               <a:ext uri="{FF2B5EF4-FFF2-40B4-BE49-F238E27FC236}">
-                <a16:creationId xmlns:a16="http://schemas.microsoft.com/office/drawing/2014/main" id="{CC1071A8-3D38-1344-A3EF-60D8ADB33F99}"/>
+                <a16:creationId xmlns="" xmlns:a16="http://schemas.microsoft.com/office/drawing/2014/main" id="{CC1071A8-3D38-1344-A3EF-60D8ADB33F99}"/>
               </a:ext>
             </a:extLst>
           </p:cNvPr>
@@ -173,7 +179,7 @@
           <p:cNvPr id="3" name="Subtitle 2">
             <a:extLst>
               <a:ext uri="{FF2B5EF4-FFF2-40B4-BE49-F238E27FC236}">
-                <a16:creationId xmlns:a16="http://schemas.microsoft.com/office/drawing/2014/main" id="{E726ADB3-4187-4D4F-8123-59A9CDB06C90}"/>
+                <a16:creationId xmlns="" xmlns:a16="http://schemas.microsoft.com/office/drawing/2014/main" id="{E726ADB3-4187-4D4F-8123-59A9CDB06C90}"/>
               </a:ext>
             </a:extLst>
           </p:cNvPr>
@@ -243,7 +249,7 @@
           <p:cNvPr id="4" name="Date Placeholder 3">
             <a:extLst>
               <a:ext uri="{FF2B5EF4-FFF2-40B4-BE49-F238E27FC236}">
-                <a16:creationId xmlns:a16="http://schemas.microsoft.com/office/drawing/2014/main" id="{8B067C4A-8400-C24C-895B-08F7B7394326}"/>
+                <a16:creationId xmlns="" xmlns:a16="http://schemas.microsoft.com/office/drawing/2014/main" id="{8B067C4A-8400-C24C-895B-08F7B7394326}"/>
               </a:ext>
             </a:extLst>
           </p:cNvPr>
@@ -261,7 +267,8 @@
           <a:p>
             <a:fld id="{09CA0CD5-B40B-D542-8B2B-642B82847442}" type="datetimeFigureOut">
               <a:rPr lang="en-US" smtClean="0"/>
-              <a:t>12/31/18</a:t>
+              <a:pPr/>
+              <a:t>1/1/2019</a:t>
             </a:fld>
             <a:endParaRPr lang="en-US"/>
           </a:p>
@@ -272,7 +279,7 @@
           <p:cNvPr id="5" name="Footer Placeholder 4">
             <a:extLst>
               <a:ext uri="{FF2B5EF4-FFF2-40B4-BE49-F238E27FC236}">
-                <a16:creationId xmlns:a16="http://schemas.microsoft.com/office/drawing/2014/main" id="{8958F726-573B-C44D-9006-7D02ACA7B84C}"/>
+                <a16:creationId xmlns="" xmlns:a16="http://schemas.microsoft.com/office/drawing/2014/main" id="{8958F726-573B-C44D-9006-7D02ACA7B84C}"/>
               </a:ext>
             </a:extLst>
           </p:cNvPr>
@@ -297,7 +304,7 @@
           <p:cNvPr id="6" name="Slide Number Placeholder 5">
             <a:extLst>
               <a:ext uri="{FF2B5EF4-FFF2-40B4-BE49-F238E27FC236}">
-                <a16:creationId xmlns:a16="http://schemas.microsoft.com/office/drawing/2014/main" id="{3E867FBB-9CA0-F044-8210-748BA2287197}"/>
+                <a16:creationId xmlns="" xmlns:a16="http://schemas.microsoft.com/office/drawing/2014/main" id="{3E867FBB-9CA0-F044-8210-748BA2287197}"/>
               </a:ext>
             </a:extLst>
           </p:cNvPr>
@@ -315,6 +322,7 @@
           <a:p>
             <a:fld id="{F18B8740-E564-164A-BD89-177379422B32}" type="slidenum">
               <a:rPr lang="en-US" smtClean="0"/>
+              <a:pPr/>
               <a:t>‹#›</a:t>
             </a:fld>
             <a:endParaRPr lang="en-US"/>
@@ -324,13 +332,14 @@
     </p:spTree>
     <p:extLst>
       <p:ext uri="{BB962C8B-B14F-4D97-AF65-F5344CB8AC3E}">
-        <p14:creationId xmlns:p14="http://schemas.microsoft.com/office/powerpoint/2010/main" val="912819443"/>
+        <p14:creationId xmlns="" xmlns:p14="http://schemas.microsoft.com/office/powerpoint/2010/main" val="912819443"/>
       </p:ext>
     </p:extLst>
   </p:cSld>
   <p:clrMapOvr>
     <a:masterClrMapping/>
   </p:clrMapOvr>
+  <p:transition/>
 </p:sldLayout>
 </file>
 
@@ -356,7 +365,7 @@
           <p:cNvPr id="2" name="Title 1">
             <a:extLst>
               <a:ext uri="{FF2B5EF4-FFF2-40B4-BE49-F238E27FC236}">
-                <a16:creationId xmlns:a16="http://schemas.microsoft.com/office/drawing/2014/main" id="{67B2E472-0CC9-7F4E-ABE7-51879810BC7D}"/>
+                <a16:creationId xmlns="" xmlns:a16="http://schemas.microsoft.com/office/drawing/2014/main" id="{67B2E472-0CC9-7F4E-ABE7-51879810BC7D}"/>
               </a:ext>
             </a:extLst>
           </p:cNvPr>
@@ -384,7 +393,7 @@
           <p:cNvPr id="3" name="Vertical Text Placeholder 2">
             <a:extLst>
               <a:ext uri="{FF2B5EF4-FFF2-40B4-BE49-F238E27FC236}">
-                <a16:creationId xmlns:a16="http://schemas.microsoft.com/office/drawing/2014/main" id="{2B70B4D8-1371-D94E-9D53-572026D0F653}"/>
+                <a16:creationId xmlns="" xmlns:a16="http://schemas.microsoft.com/office/drawing/2014/main" id="{2B70B4D8-1371-D94E-9D53-572026D0F653}"/>
               </a:ext>
             </a:extLst>
           </p:cNvPr>
@@ -441,7 +450,7 @@
           <p:cNvPr id="4" name="Date Placeholder 3">
             <a:extLst>
               <a:ext uri="{FF2B5EF4-FFF2-40B4-BE49-F238E27FC236}">
-                <a16:creationId xmlns:a16="http://schemas.microsoft.com/office/drawing/2014/main" id="{334CF014-1B7D-4044-A69E-6D9CEB7E1BE2}"/>
+                <a16:creationId xmlns="" xmlns:a16="http://schemas.microsoft.com/office/drawing/2014/main" id="{334CF014-1B7D-4044-A69E-6D9CEB7E1BE2}"/>
               </a:ext>
             </a:extLst>
           </p:cNvPr>
@@ -459,7 +468,8 @@
           <a:p>
             <a:fld id="{09CA0CD5-B40B-D542-8B2B-642B82847442}" type="datetimeFigureOut">
               <a:rPr lang="en-US" smtClean="0"/>
-              <a:t>12/31/18</a:t>
+              <a:pPr/>
+              <a:t>1/1/2019</a:t>
             </a:fld>
             <a:endParaRPr lang="en-US"/>
           </a:p>
@@ -470,7 +480,7 @@
           <p:cNvPr id="5" name="Footer Placeholder 4">
             <a:extLst>
               <a:ext uri="{FF2B5EF4-FFF2-40B4-BE49-F238E27FC236}">
-                <a16:creationId xmlns:a16="http://schemas.microsoft.com/office/drawing/2014/main" id="{45FFCDD5-71E9-F347-AC90-61D175F77469}"/>
+                <a16:creationId xmlns="" xmlns:a16="http://schemas.microsoft.com/office/drawing/2014/main" id="{45FFCDD5-71E9-F347-AC90-61D175F77469}"/>
               </a:ext>
             </a:extLst>
           </p:cNvPr>
@@ -495,7 +505,7 @@
           <p:cNvPr id="6" name="Slide Number Placeholder 5">
             <a:extLst>
               <a:ext uri="{FF2B5EF4-FFF2-40B4-BE49-F238E27FC236}">
-                <a16:creationId xmlns:a16="http://schemas.microsoft.com/office/drawing/2014/main" id="{5D51D9E3-292B-D247-8111-4EC413DECDEE}"/>
+                <a16:creationId xmlns="" xmlns:a16="http://schemas.microsoft.com/office/drawing/2014/main" id="{5D51D9E3-292B-D247-8111-4EC413DECDEE}"/>
               </a:ext>
             </a:extLst>
           </p:cNvPr>
@@ -513,6 +523,7 @@
           <a:p>
             <a:fld id="{F18B8740-E564-164A-BD89-177379422B32}" type="slidenum">
               <a:rPr lang="en-US" smtClean="0"/>
+              <a:pPr/>
               <a:t>‹#›</a:t>
             </a:fld>
             <a:endParaRPr lang="en-US"/>
@@ -522,13 +533,14 @@
     </p:spTree>
     <p:extLst>
       <p:ext uri="{BB962C8B-B14F-4D97-AF65-F5344CB8AC3E}">
-        <p14:creationId xmlns:p14="http://schemas.microsoft.com/office/powerpoint/2010/main" val="1378804883"/>
+        <p14:creationId xmlns="" xmlns:p14="http://schemas.microsoft.com/office/powerpoint/2010/main" val="1378804883"/>
       </p:ext>
     </p:extLst>
   </p:cSld>
   <p:clrMapOvr>
     <a:masterClrMapping/>
   </p:clrMapOvr>
+  <p:transition/>
 </p:sldLayout>
 </file>
 
@@ -554,7 +566,7 @@
           <p:cNvPr id="2" name="Vertical Title 1">
             <a:extLst>
               <a:ext uri="{FF2B5EF4-FFF2-40B4-BE49-F238E27FC236}">
-                <a16:creationId xmlns:a16="http://schemas.microsoft.com/office/drawing/2014/main" id="{657FF1D6-AE01-5F4A-817A-5A991E620755}"/>
+                <a16:creationId xmlns="" xmlns:a16="http://schemas.microsoft.com/office/drawing/2014/main" id="{657FF1D6-AE01-5F4A-817A-5A991E620755}"/>
               </a:ext>
             </a:extLst>
           </p:cNvPr>
@@ -587,7 +599,7 @@
           <p:cNvPr id="3" name="Vertical Text Placeholder 2">
             <a:extLst>
               <a:ext uri="{FF2B5EF4-FFF2-40B4-BE49-F238E27FC236}">
-                <a16:creationId xmlns:a16="http://schemas.microsoft.com/office/drawing/2014/main" id="{A48A1E0A-4340-AC43-B578-B335D4A950B8}"/>
+                <a16:creationId xmlns="" xmlns:a16="http://schemas.microsoft.com/office/drawing/2014/main" id="{A48A1E0A-4340-AC43-B578-B335D4A950B8}"/>
               </a:ext>
             </a:extLst>
           </p:cNvPr>
@@ -649,7 +661,7 @@
           <p:cNvPr id="4" name="Date Placeholder 3">
             <a:extLst>
               <a:ext uri="{FF2B5EF4-FFF2-40B4-BE49-F238E27FC236}">
-                <a16:creationId xmlns:a16="http://schemas.microsoft.com/office/drawing/2014/main" id="{B3477D38-1470-A246-8270-90E192277C30}"/>
+                <a16:creationId xmlns="" xmlns:a16="http://schemas.microsoft.com/office/drawing/2014/main" id="{B3477D38-1470-A246-8270-90E192277C30}"/>
               </a:ext>
             </a:extLst>
           </p:cNvPr>
@@ -667,7 +679,8 @@
           <a:p>
             <a:fld id="{09CA0CD5-B40B-D542-8B2B-642B82847442}" type="datetimeFigureOut">
               <a:rPr lang="en-US" smtClean="0"/>
-              <a:t>12/31/18</a:t>
+              <a:pPr/>
+              <a:t>1/1/2019</a:t>
             </a:fld>
             <a:endParaRPr lang="en-US"/>
           </a:p>
@@ -678,7 +691,7 @@
           <p:cNvPr id="5" name="Footer Placeholder 4">
             <a:extLst>
               <a:ext uri="{FF2B5EF4-FFF2-40B4-BE49-F238E27FC236}">
-                <a16:creationId xmlns:a16="http://schemas.microsoft.com/office/drawing/2014/main" id="{0515CA8C-16B7-4A4C-B805-FF6C8F806309}"/>
+                <a16:creationId xmlns="" xmlns:a16="http://schemas.microsoft.com/office/drawing/2014/main" id="{0515CA8C-16B7-4A4C-B805-FF6C8F806309}"/>
               </a:ext>
             </a:extLst>
           </p:cNvPr>
@@ -703,7 +716,7 @@
           <p:cNvPr id="6" name="Slide Number Placeholder 5">
             <a:extLst>
               <a:ext uri="{FF2B5EF4-FFF2-40B4-BE49-F238E27FC236}">
-                <a16:creationId xmlns:a16="http://schemas.microsoft.com/office/drawing/2014/main" id="{926262BC-F503-5645-ABCF-C1486E43BF89}"/>
+                <a16:creationId xmlns="" xmlns:a16="http://schemas.microsoft.com/office/drawing/2014/main" id="{926262BC-F503-5645-ABCF-C1486E43BF89}"/>
               </a:ext>
             </a:extLst>
           </p:cNvPr>
@@ -721,6 +734,7 @@
           <a:p>
             <a:fld id="{F18B8740-E564-164A-BD89-177379422B32}" type="slidenum">
               <a:rPr lang="en-US" smtClean="0"/>
+              <a:pPr/>
               <a:t>‹#›</a:t>
             </a:fld>
             <a:endParaRPr lang="en-US"/>
@@ -730,13 +744,14 @@
     </p:spTree>
     <p:extLst>
       <p:ext uri="{BB962C8B-B14F-4D97-AF65-F5344CB8AC3E}">
-        <p14:creationId xmlns:p14="http://schemas.microsoft.com/office/powerpoint/2010/main" val="2743595323"/>
+        <p14:creationId xmlns="" xmlns:p14="http://schemas.microsoft.com/office/powerpoint/2010/main" val="2743595323"/>
       </p:ext>
     </p:extLst>
   </p:cSld>
   <p:clrMapOvr>
     <a:masterClrMapping/>
   </p:clrMapOvr>
+  <p:transition/>
 </p:sldLayout>
 </file>
 
@@ -762,7 +777,7 @@
           <p:cNvPr id="2" name="Title 1">
             <a:extLst>
               <a:ext uri="{FF2B5EF4-FFF2-40B4-BE49-F238E27FC236}">
-                <a16:creationId xmlns:a16="http://schemas.microsoft.com/office/drawing/2014/main" id="{AAE9A493-F350-AE4A-8B2B-BE423A61F0EB}"/>
+                <a16:creationId xmlns="" xmlns:a16="http://schemas.microsoft.com/office/drawing/2014/main" id="{AAE9A493-F350-AE4A-8B2B-BE423A61F0EB}"/>
               </a:ext>
             </a:extLst>
           </p:cNvPr>
@@ -790,7 +805,7 @@
           <p:cNvPr id="3" name="Content Placeholder 2">
             <a:extLst>
               <a:ext uri="{FF2B5EF4-FFF2-40B4-BE49-F238E27FC236}">
-                <a16:creationId xmlns:a16="http://schemas.microsoft.com/office/drawing/2014/main" id="{42B23C70-2F97-0E45-B849-D251C4D2493A}"/>
+                <a16:creationId xmlns="" xmlns:a16="http://schemas.microsoft.com/office/drawing/2014/main" id="{42B23C70-2F97-0E45-B849-D251C4D2493A}"/>
               </a:ext>
             </a:extLst>
           </p:cNvPr>
@@ -847,7 +862,7 @@
           <p:cNvPr id="4" name="Date Placeholder 3">
             <a:extLst>
               <a:ext uri="{FF2B5EF4-FFF2-40B4-BE49-F238E27FC236}">
-                <a16:creationId xmlns:a16="http://schemas.microsoft.com/office/drawing/2014/main" id="{4F0867E4-9898-3E4A-AC1A-314A978C1800}"/>
+                <a16:creationId xmlns="" xmlns:a16="http://schemas.microsoft.com/office/drawing/2014/main" id="{4F0867E4-9898-3E4A-AC1A-314A978C1800}"/>
               </a:ext>
             </a:extLst>
           </p:cNvPr>
@@ -865,7 +880,8 @@
           <a:p>
             <a:fld id="{09CA0CD5-B40B-D542-8B2B-642B82847442}" type="datetimeFigureOut">
               <a:rPr lang="en-US" smtClean="0"/>
-              <a:t>12/31/18</a:t>
+              <a:pPr/>
+              <a:t>1/1/2019</a:t>
             </a:fld>
             <a:endParaRPr lang="en-US"/>
           </a:p>
@@ -876,7 +892,7 @@
           <p:cNvPr id="5" name="Footer Placeholder 4">
             <a:extLst>
               <a:ext uri="{FF2B5EF4-FFF2-40B4-BE49-F238E27FC236}">
-                <a16:creationId xmlns:a16="http://schemas.microsoft.com/office/drawing/2014/main" id="{932DE661-495A-1D4E-95F2-B4F81EA70DD6}"/>
+                <a16:creationId xmlns="" xmlns:a16="http://schemas.microsoft.com/office/drawing/2014/main" id="{932DE661-495A-1D4E-95F2-B4F81EA70DD6}"/>
               </a:ext>
             </a:extLst>
           </p:cNvPr>
@@ -901,7 +917,7 @@
           <p:cNvPr id="6" name="Slide Number Placeholder 5">
             <a:extLst>
               <a:ext uri="{FF2B5EF4-FFF2-40B4-BE49-F238E27FC236}">
-                <a16:creationId xmlns:a16="http://schemas.microsoft.com/office/drawing/2014/main" id="{EA4A6E5E-F236-0B45-AD0C-9303167B87CB}"/>
+                <a16:creationId xmlns="" xmlns:a16="http://schemas.microsoft.com/office/drawing/2014/main" id="{EA4A6E5E-F236-0B45-AD0C-9303167B87CB}"/>
               </a:ext>
             </a:extLst>
           </p:cNvPr>
@@ -919,6 +935,7 @@
           <a:p>
             <a:fld id="{F18B8740-E564-164A-BD89-177379422B32}" type="slidenum">
               <a:rPr lang="en-US" smtClean="0"/>
+              <a:pPr/>
               <a:t>‹#›</a:t>
             </a:fld>
             <a:endParaRPr lang="en-US"/>
@@ -928,13 +945,14 @@
     </p:spTree>
     <p:extLst>
       <p:ext uri="{BB962C8B-B14F-4D97-AF65-F5344CB8AC3E}">
-        <p14:creationId xmlns:p14="http://schemas.microsoft.com/office/powerpoint/2010/main" val="3179677898"/>
+        <p14:creationId xmlns="" xmlns:p14="http://schemas.microsoft.com/office/powerpoint/2010/main" val="3179677898"/>
       </p:ext>
     </p:extLst>
   </p:cSld>
   <p:clrMapOvr>
     <a:masterClrMapping/>
   </p:clrMapOvr>
+  <p:transition/>
 </p:sldLayout>
 </file>
 
@@ -960,7 +978,7 @@
           <p:cNvPr id="2" name="Title 1">
             <a:extLst>
               <a:ext uri="{FF2B5EF4-FFF2-40B4-BE49-F238E27FC236}">
-                <a16:creationId xmlns:a16="http://schemas.microsoft.com/office/drawing/2014/main" id="{D549C81B-3181-3845-8CC8-F50CB858ACBC}"/>
+                <a16:creationId xmlns="" xmlns:a16="http://schemas.microsoft.com/office/drawing/2014/main" id="{D549C81B-3181-3845-8CC8-F50CB858ACBC}"/>
               </a:ext>
             </a:extLst>
           </p:cNvPr>
@@ -997,7 +1015,7 @@
           <p:cNvPr id="3" name="Text Placeholder 2">
             <a:extLst>
               <a:ext uri="{FF2B5EF4-FFF2-40B4-BE49-F238E27FC236}">
-                <a16:creationId xmlns:a16="http://schemas.microsoft.com/office/drawing/2014/main" id="{106E5D91-AFB7-CB41-B145-77D0992D3435}"/>
+                <a16:creationId xmlns="" xmlns:a16="http://schemas.microsoft.com/office/drawing/2014/main" id="{106E5D91-AFB7-CB41-B145-77D0992D3435}"/>
               </a:ext>
             </a:extLst>
           </p:cNvPr>
@@ -1122,7 +1140,7 @@
           <p:cNvPr id="4" name="Date Placeholder 3">
             <a:extLst>
               <a:ext uri="{FF2B5EF4-FFF2-40B4-BE49-F238E27FC236}">
-                <a16:creationId xmlns:a16="http://schemas.microsoft.com/office/drawing/2014/main" id="{A5351510-6B39-2E4B-AB79-17D2C8350177}"/>
+                <a16:creationId xmlns="" xmlns:a16="http://schemas.microsoft.com/office/drawing/2014/main" id="{A5351510-6B39-2E4B-AB79-17D2C8350177}"/>
               </a:ext>
             </a:extLst>
           </p:cNvPr>
@@ -1140,7 +1158,8 @@
           <a:p>
             <a:fld id="{09CA0CD5-B40B-D542-8B2B-642B82847442}" type="datetimeFigureOut">
               <a:rPr lang="en-US" smtClean="0"/>
-              <a:t>12/31/18</a:t>
+              <a:pPr/>
+              <a:t>1/1/2019</a:t>
             </a:fld>
             <a:endParaRPr lang="en-US"/>
           </a:p>
@@ -1151,7 +1170,7 @@
           <p:cNvPr id="5" name="Footer Placeholder 4">
             <a:extLst>
               <a:ext uri="{FF2B5EF4-FFF2-40B4-BE49-F238E27FC236}">
-                <a16:creationId xmlns:a16="http://schemas.microsoft.com/office/drawing/2014/main" id="{30AC3BF5-B7E1-0144-81F6-720D95716E68}"/>
+                <a16:creationId xmlns="" xmlns:a16="http://schemas.microsoft.com/office/drawing/2014/main" id="{30AC3BF5-B7E1-0144-81F6-720D95716E68}"/>
               </a:ext>
             </a:extLst>
           </p:cNvPr>
@@ -1176,7 +1195,7 @@
           <p:cNvPr id="6" name="Slide Number Placeholder 5">
             <a:extLst>
               <a:ext uri="{FF2B5EF4-FFF2-40B4-BE49-F238E27FC236}">
-                <a16:creationId xmlns:a16="http://schemas.microsoft.com/office/drawing/2014/main" id="{15B18C1C-61FB-6B40-9BC1-60464D4815DB}"/>
+                <a16:creationId xmlns="" xmlns:a16="http://schemas.microsoft.com/office/drawing/2014/main" id="{15B18C1C-61FB-6B40-9BC1-60464D4815DB}"/>
               </a:ext>
             </a:extLst>
           </p:cNvPr>
@@ -1194,6 +1213,7 @@
           <a:p>
             <a:fld id="{F18B8740-E564-164A-BD89-177379422B32}" type="slidenum">
               <a:rPr lang="en-US" smtClean="0"/>
+              <a:pPr/>
               <a:t>‹#›</a:t>
             </a:fld>
             <a:endParaRPr lang="en-US"/>
@@ -1203,13 +1223,14 @@
     </p:spTree>
     <p:extLst>
       <p:ext uri="{BB962C8B-B14F-4D97-AF65-F5344CB8AC3E}">
-        <p14:creationId xmlns:p14="http://schemas.microsoft.com/office/powerpoint/2010/main" val="2278503316"/>
+        <p14:creationId xmlns="" xmlns:p14="http://schemas.microsoft.com/office/powerpoint/2010/main" val="2278503316"/>
       </p:ext>
     </p:extLst>
   </p:cSld>
   <p:clrMapOvr>
     <a:masterClrMapping/>
   </p:clrMapOvr>
+  <p:transition/>
 </p:sldLayout>
 </file>
 
@@ -1235,7 +1256,7 @@
           <p:cNvPr id="2" name="Title 1">
             <a:extLst>
               <a:ext uri="{FF2B5EF4-FFF2-40B4-BE49-F238E27FC236}">
-                <a16:creationId xmlns:a16="http://schemas.microsoft.com/office/drawing/2014/main" id="{00BE7961-0FED-9247-9D87-D7680E2650AC}"/>
+                <a16:creationId xmlns="" xmlns:a16="http://schemas.microsoft.com/office/drawing/2014/main" id="{00BE7961-0FED-9247-9D87-D7680E2650AC}"/>
               </a:ext>
             </a:extLst>
           </p:cNvPr>
@@ -1263,7 +1284,7 @@
           <p:cNvPr id="3" name="Content Placeholder 2">
             <a:extLst>
               <a:ext uri="{FF2B5EF4-FFF2-40B4-BE49-F238E27FC236}">
-                <a16:creationId xmlns:a16="http://schemas.microsoft.com/office/drawing/2014/main" id="{CB28C1CC-2C0B-CF4F-BFA9-A2197A358FCA}"/>
+                <a16:creationId xmlns="" xmlns:a16="http://schemas.microsoft.com/office/drawing/2014/main" id="{CB28C1CC-2C0B-CF4F-BFA9-A2197A358FCA}"/>
               </a:ext>
             </a:extLst>
           </p:cNvPr>
@@ -1325,7 +1346,7 @@
           <p:cNvPr id="4" name="Content Placeholder 3">
             <a:extLst>
               <a:ext uri="{FF2B5EF4-FFF2-40B4-BE49-F238E27FC236}">
-                <a16:creationId xmlns:a16="http://schemas.microsoft.com/office/drawing/2014/main" id="{DC0E83ED-5CB0-3B4A-A703-1271C8C3642F}"/>
+                <a16:creationId xmlns="" xmlns:a16="http://schemas.microsoft.com/office/drawing/2014/main" id="{DC0E83ED-5CB0-3B4A-A703-1271C8C3642F}"/>
               </a:ext>
             </a:extLst>
           </p:cNvPr>
@@ -1387,7 +1408,7 @@
           <p:cNvPr id="5" name="Date Placeholder 4">
             <a:extLst>
               <a:ext uri="{FF2B5EF4-FFF2-40B4-BE49-F238E27FC236}">
-                <a16:creationId xmlns:a16="http://schemas.microsoft.com/office/drawing/2014/main" id="{36F8AEF0-8B49-DA4A-B174-D740E570FBFA}"/>
+                <a16:creationId xmlns="" xmlns:a16="http://schemas.microsoft.com/office/drawing/2014/main" id="{36F8AEF0-8B49-DA4A-B174-D740E570FBFA}"/>
               </a:ext>
             </a:extLst>
           </p:cNvPr>
@@ -1405,7 +1426,8 @@
           <a:p>
             <a:fld id="{09CA0CD5-B40B-D542-8B2B-642B82847442}" type="datetimeFigureOut">
               <a:rPr lang="en-US" smtClean="0"/>
-              <a:t>12/31/18</a:t>
+              <a:pPr/>
+              <a:t>1/1/2019</a:t>
             </a:fld>
             <a:endParaRPr lang="en-US"/>
           </a:p>
@@ -1416,7 +1438,7 @@
           <p:cNvPr id="6" name="Footer Placeholder 5">
             <a:extLst>
               <a:ext uri="{FF2B5EF4-FFF2-40B4-BE49-F238E27FC236}">
-                <a16:creationId xmlns:a16="http://schemas.microsoft.com/office/drawing/2014/main" id="{F1FF05F1-C91E-834A-BAB7-830E23144A65}"/>
+                <a16:creationId xmlns="" xmlns:a16="http://schemas.microsoft.com/office/drawing/2014/main" id="{F1FF05F1-C91E-834A-BAB7-830E23144A65}"/>
               </a:ext>
             </a:extLst>
           </p:cNvPr>
@@ -1441,7 +1463,7 @@
           <p:cNvPr id="7" name="Slide Number Placeholder 6">
             <a:extLst>
               <a:ext uri="{FF2B5EF4-FFF2-40B4-BE49-F238E27FC236}">
-                <a16:creationId xmlns:a16="http://schemas.microsoft.com/office/drawing/2014/main" id="{6EF8BA2B-04EB-334E-8285-3F5D24DAA866}"/>
+                <a16:creationId xmlns="" xmlns:a16="http://schemas.microsoft.com/office/drawing/2014/main" id="{6EF8BA2B-04EB-334E-8285-3F5D24DAA866}"/>
               </a:ext>
             </a:extLst>
           </p:cNvPr>
@@ -1459,6 +1481,7 @@
           <a:p>
             <a:fld id="{F18B8740-E564-164A-BD89-177379422B32}" type="slidenum">
               <a:rPr lang="en-US" smtClean="0"/>
+              <a:pPr/>
               <a:t>‹#›</a:t>
             </a:fld>
             <a:endParaRPr lang="en-US"/>
@@ -1468,13 +1491,14 @@
     </p:spTree>
     <p:extLst>
       <p:ext uri="{BB962C8B-B14F-4D97-AF65-F5344CB8AC3E}">
-        <p14:creationId xmlns:p14="http://schemas.microsoft.com/office/powerpoint/2010/main" val="722904791"/>
+        <p14:creationId xmlns="" xmlns:p14="http://schemas.microsoft.com/office/powerpoint/2010/main" val="722904791"/>
       </p:ext>
     </p:extLst>
   </p:cSld>
   <p:clrMapOvr>
     <a:masterClrMapping/>
   </p:clrMapOvr>
+  <p:transition/>
 </p:sldLayout>
 </file>
 
@@ -1500,7 +1524,7 @@
           <p:cNvPr id="2" name="Title 1">
             <a:extLst>
               <a:ext uri="{FF2B5EF4-FFF2-40B4-BE49-F238E27FC236}">
-                <a16:creationId xmlns:a16="http://schemas.microsoft.com/office/drawing/2014/main" id="{FBA63B55-2CEA-6948-9929-848B8B4EB19A}"/>
+                <a16:creationId xmlns="" xmlns:a16="http://schemas.microsoft.com/office/drawing/2014/main" id="{FBA63B55-2CEA-6948-9929-848B8B4EB19A}"/>
               </a:ext>
             </a:extLst>
           </p:cNvPr>
@@ -1533,7 +1557,7 @@
           <p:cNvPr id="3" name="Text Placeholder 2">
             <a:extLst>
               <a:ext uri="{FF2B5EF4-FFF2-40B4-BE49-F238E27FC236}">
-                <a16:creationId xmlns:a16="http://schemas.microsoft.com/office/drawing/2014/main" id="{6554BDBF-F691-AF4F-9AD6-DE00D5A44606}"/>
+                <a16:creationId xmlns="" xmlns:a16="http://schemas.microsoft.com/office/drawing/2014/main" id="{6554BDBF-F691-AF4F-9AD6-DE00D5A44606}"/>
               </a:ext>
             </a:extLst>
           </p:cNvPr>
@@ -1604,7 +1628,7 @@
           <p:cNvPr id="4" name="Content Placeholder 3">
             <a:extLst>
               <a:ext uri="{FF2B5EF4-FFF2-40B4-BE49-F238E27FC236}">
-                <a16:creationId xmlns:a16="http://schemas.microsoft.com/office/drawing/2014/main" id="{76E921A1-4B01-7E47-94EE-DEC8647A0EA2}"/>
+                <a16:creationId xmlns="" xmlns:a16="http://schemas.microsoft.com/office/drawing/2014/main" id="{76E921A1-4B01-7E47-94EE-DEC8647A0EA2}"/>
               </a:ext>
             </a:extLst>
           </p:cNvPr>
@@ -1666,7 +1690,7 @@
           <p:cNvPr id="5" name="Text Placeholder 4">
             <a:extLst>
               <a:ext uri="{FF2B5EF4-FFF2-40B4-BE49-F238E27FC236}">
-                <a16:creationId xmlns:a16="http://schemas.microsoft.com/office/drawing/2014/main" id="{016BC203-616C-8242-B6A2-084D6E7718F8}"/>
+                <a16:creationId xmlns="" xmlns:a16="http://schemas.microsoft.com/office/drawing/2014/main" id="{016BC203-616C-8242-B6A2-084D6E7718F8}"/>
               </a:ext>
             </a:extLst>
           </p:cNvPr>
@@ -1737,7 +1761,7 @@
           <p:cNvPr id="6" name="Content Placeholder 5">
             <a:extLst>
               <a:ext uri="{FF2B5EF4-FFF2-40B4-BE49-F238E27FC236}">
-                <a16:creationId xmlns:a16="http://schemas.microsoft.com/office/drawing/2014/main" id="{352FF7D6-307F-F14C-A093-DF19D9714A7F}"/>
+                <a16:creationId xmlns="" xmlns:a16="http://schemas.microsoft.com/office/drawing/2014/main" id="{352FF7D6-307F-F14C-A093-DF19D9714A7F}"/>
               </a:ext>
             </a:extLst>
           </p:cNvPr>
@@ -1799,7 +1823,7 @@
           <p:cNvPr id="7" name="Date Placeholder 6">
             <a:extLst>
               <a:ext uri="{FF2B5EF4-FFF2-40B4-BE49-F238E27FC236}">
-                <a16:creationId xmlns:a16="http://schemas.microsoft.com/office/drawing/2014/main" id="{B4A1051B-2554-184F-823D-793A5DACB5AF}"/>
+                <a16:creationId xmlns="" xmlns:a16="http://schemas.microsoft.com/office/drawing/2014/main" id="{B4A1051B-2554-184F-823D-793A5DACB5AF}"/>
               </a:ext>
             </a:extLst>
           </p:cNvPr>
@@ -1817,7 +1841,8 @@
           <a:p>
             <a:fld id="{09CA0CD5-B40B-D542-8B2B-642B82847442}" type="datetimeFigureOut">
               <a:rPr lang="en-US" smtClean="0"/>
-              <a:t>12/31/18</a:t>
+              <a:pPr/>
+              <a:t>1/1/2019</a:t>
             </a:fld>
             <a:endParaRPr lang="en-US"/>
           </a:p>
@@ -1828,7 +1853,7 @@
           <p:cNvPr id="8" name="Footer Placeholder 7">
             <a:extLst>
               <a:ext uri="{FF2B5EF4-FFF2-40B4-BE49-F238E27FC236}">
-                <a16:creationId xmlns:a16="http://schemas.microsoft.com/office/drawing/2014/main" id="{4D5F45E7-6AAB-B44D-A0F6-71DCF410CAB2}"/>
+                <a16:creationId xmlns="" xmlns:a16="http://schemas.microsoft.com/office/drawing/2014/main" id="{4D5F45E7-6AAB-B44D-A0F6-71DCF410CAB2}"/>
               </a:ext>
             </a:extLst>
           </p:cNvPr>
@@ -1853,7 +1878,7 @@
           <p:cNvPr id="9" name="Slide Number Placeholder 8">
             <a:extLst>
               <a:ext uri="{FF2B5EF4-FFF2-40B4-BE49-F238E27FC236}">
-                <a16:creationId xmlns:a16="http://schemas.microsoft.com/office/drawing/2014/main" id="{C39E8D46-56BD-804E-8E1D-8DF0735D7658}"/>
+                <a16:creationId xmlns="" xmlns:a16="http://schemas.microsoft.com/office/drawing/2014/main" id="{C39E8D46-56BD-804E-8E1D-8DF0735D7658}"/>
               </a:ext>
             </a:extLst>
           </p:cNvPr>
@@ -1871,6 +1896,7 @@
           <a:p>
             <a:fld id="{F18B8740-E564-164A-BD89-177379422B32}" type="slidenum">
               <a:rPr lang="en-US" smtClean="0"/>
+              <a:pPr/>
               <a:t>‹#›</a:t>
             </a:fld>
             <a:endParaRPr lang="en-US"/>
@@ -1880,13 +1906,14 @@
     </p:spTree>
     <p:extLst>
       <p:ext uri="{BB962C8B-B14F-4D97-AF65-F5344CB8AC3E}">
-        <p14:creationId xmlns:p14="http://schemas.microsoft.com/office/powerpoint/2010/main" val="1837925327"/>
+        <p14:creationId xmlns="" xmlns:p14="http://schemas.microsoft.com/office/powerpoint/2010/main" val="1837925327"/>
       </p:ext>
     </p:extLst>
   </p:cSld>
   <p:clrMapOvr>
     <a:masterClrMapping/>
   </p:clrMapOvr>
+  <p:transition/>
 </p:sldLayout>
 </file>
 
@@ -1912,7 +1939,7 @@
           <p:cNvPr id="2" name="Title 1">
             <a:extLst>
               <a:ext uri="{FF2B5EF4-FFF2-40B4-BE49-F238E27FC236}">
-                <a16:creationId xmlns:a16="http://schemas.microsoft.com/office/drawing/2014/main" id="{9626584D-78E0-C244-A80E-AA77394970D9}"/>
+                <a16:creationId xmlns="" xmlns:a16="http://schemas.microsoft.com/office/drawing/2014/main" id="{9626584D-78E0-C244-A80E-AA77394970D9}"/>
               </a:ext>
             </a:extLst>
           </p:cNvPr>
@@ -1940,7 +1967,7 @@
           <p:cNvPr id="3" name="Date Placeholder 2">
             <a:extLst>
               <a:ext uri="{FF2B5EF4-FFF2-40B4-BE49-F238E27FC236}">
-                <a16:creationId xmlns:a16="http://schemas.microsoft.com/office/drawing/2014/main" id="{DCCECE0B-A48E-8A4C-A992-9AB753771A97}"/>
+                <a16:creationId xmlns="" xmlns:a16="http://schemas.microsoft.com/office/drawing/2014/main" id="{DCCECE0B-A48E-8A4C-A992-9AB753771A97}"/>
               </a:ext>
             </a:extLst>
           </p:cNvPr>
@@ -1958,7 +1985,8 @@
           <a:p>
             <a:fld id="{09CA0CD5-B40B-D542-8B2B-642B82847442}" type="datetimeFigureOut">
               <a:rPr lang="en-US" smtClean="0"/>
-              <a:t>12/31/18</a:t>
+              <a:pPr/>
+              <a:t>1/1/2019</a:t>
             </a:fld>
             <a:endParaRPr lang="en-US"/>
           </a:p>
@@ -1969,7 +1997,7 @@
           <p:cNvPr id="4" name="Footer Placeholder 3">
             <a:extLst>
               <a:ext uri="{FF2B5EF4-FFF2-40B4-BE49-F238E27FC236}">
-                <a16:creationId xmlns:a16="http://schemas.microsoft.com/office/drawing/2014/main" id="{DA8ED792-2877-444E-96B0-DA62FFFB835B}"/>
+                <a16:creationId xmlns="" xmlns:a16="http://schemas.microsoft.com/office/drawing/2014/main" id="{DA8ED792-2877-444E-96B0-DA62FFFB835B}"/>
               </a:ext>
             </a:extLst>
           </p:cNvPr>
@@ -1994,7 +2022,7 @@
           <p:cNvPr id="5" name="Slide Number Placeholder 4">
             <a:extLst>
               <a:ext uri="{FF2B5EF4-FFF2-40B4-BE49-F238E27FC236}">
-                <a16:creationId xmlns:a16="http://schemas.microsoft.com/office/drawing/2014/main" id="{11C37897-1952-9447-B89B-F50B5602DD9D}"/>
+                <a16:creationId xmlns="" xmlns:a16="http://schemas.microsoft.com/office/drawing/2014/main" id="{11C37897-1952-9447-B89B-F50B5602DD9D}"/>
               </a:ext>
             </a:extLst>
           </p:cNvPr>
@@ -2012,6 +2040,7 @@
           <a:p>
             <a:fld id="{F18B8740-E564-164A-BD89-177379422B32}" type="slidenum">
               <a:rPr lang="en-US" smtClean="0"/>
+              <a:pPr/>
               <a:t>‹#›</a:t>
             </a:fld>
             <a:endParaRPr lang="en-US"/>
@@ -2021,13 +2050,14 @@
     </p:spTree>
     <p:extLst>
       <p:ext uri="{BB962C8B-B14F-4D97-AF65-F5344CB8AC3E}">
-        <p14:creationId xmlns:p14="http://schemas.microsoft.com/office/powerpoint/2010/main" val="2695808141"/>
+        <p14:creationId xmlns="" xmlns:p14="http://schemas.microsoft.com/office/powerpoint/2010/main" val="2695808141"/>
       </p:ext>
     </p:extLst>
   </p:cSld>
   <p:clrMapOvr>
     <a:masterClrMapping/>
   </p:clrMapOvr>
+  <p:transition/>
 </p:sldLayout>
 </file>
 
@@ -2053,7 +2083,7 @@
           <p:cNvPr id="2" name="Date Placeholder 1">
             <a:extLst>
               <a:ext uri="{FF2B5EF4-FFF2-40B4-BE49-F238E27FC236}">
-                <a16:creationId xmlns:a16="http://schemas.microsoft.com/office/drawing/2014/main" id="{CD8B9E2D-0EBC-F747-A55C-B24D1CEB3BBD}"/>
+                <a16:creationId xmlns="" xmlns:a16="http://schemas.microsoft.com/office/drawing/2014/main" id="{CD8B9E2D-0EBC-F747-A55C-B24D1CEB3BBD}"/>
               </a:ext>
             </a:extLst>
           </p:cNvPr>
@@ -2071,7 +2101,8 @@
           <a:p>
             <a:fld id="{09CA0CD5-B40B-D542-8B2B-642B82847442}" type="datetimeFigureOut">
               <a:rPr lang="en-US" smtClean="0"/>
-              <a:t>12/31/18</a:t>
+              <a:pPr/>
+              <a:t>1/1/2019</a:t>
             </a:fld>
             <a:endParaRPr lang="en-US"/>
           </a:p>
@@ -2082,7 +2113,7 @@
           <p:cNvPr id="3" name="Footer Placeholder 2">
             <a:extLst>
               <a:ext uri="{FF2B5EF4-FFF2-40B4-BE49-F238E27FC236}">
-                <a16:creationId xmlns:a16="http://schemas.microsoft.com/office/drawing/2014/main" id="{735C3E06-4C6B-8D46-8FB1-8B9749D0AD13}"/>
+                <a16:creationId xmlns="" xmlns:a16="http://schemas.microsoft.com/office/drawing/2014/main" id="{735C3E06-4C6B-8D46-8FB1-8B9749D0AD13}"/>
               </a:ext>
             </a:extLst>
           </p:cNvPr>
@@ -2107,7 +2138,7 @@
           <p:cNvPr id="4" name="Slide Number Placeholder 3">
             <a:extLst>
               <a:ext uri="{FF2B5EF4-FFF2-40B4-BE49-F238E27FC236}">
-                <a16:creationId xmlns:a16="http://schemas.microsoft.com/office/drawing/2014/main" id="{0FFAC219-01A2-2A40-B01B-99B63BCC77D1}"/>
+                <a16:creationId xmlns="" xmlns:a16="http://schemas.microsoft.com/office/drawing/2014/main" id="{0FFAC219-01A2-2A40-B01B-99B63BCC77D1}"/>
               </a:ext>
             </a:extLst>
           </p:cNvPr>
@@ -2125,6 +2156,7 @@
           <a:p>
             <a:fld id="{F18B8740-E564-164A-BD89-177379422B32}" type="slidenum">
               <a:rPr lang="en-US" smtClean="0"/>
+              <a:pPr/>
               <a:t>‹#›</a:t>
             </a:fld>
             <a:endParaRPr lang="en-US"/>
@@ -2134,13 +2166,14 @@
     </p:spTree>
     <p:extLst>
       <p:ext uri="{BB962C8B-B14F-4D97-AF65-F5344CB8AC3E}">
-        <p14:creationId xmlns:p14="http://schemas.microsoft.com/office/powerpoint/2010/main" val="3608972216"/>
+        <p14:creationId xmlns="" xmlns:p14="http://schemas.microsoft.com/office/powerpoint/2010/main" val="3608972216"/>
       </p:ext>
     </p:extLst>
   </p:cSld>
   <p:clrMapOvr>
     <a:masterClrMapping/>
   </p:clrMapOvr>
+  <p:transition/>
 </p:sldLayout>
 </file>
 
@@ -2166,7 +2199,7 @@
           <p:cNvPr id="2" name="Title 1">
             <a:extLst>
               <a:ext uri="{FF2B5EF4-FFF2-40B4-BE49-F238E27FC236}">
-                <a16:creationId xmlns:a16="http://schemas.microsoft.com/office/drawing/2014/main" id="{830A4C71-486E-C44D-A098-0955D371AC50}"/>
+                <a16:creationId xmlns="" xmlns:a16="http://schemas.microsoft.com/office/drawing/2014/main" id="{830A4C71-486E-C44D-A098-0955D371AC50}"/>
               </a:ext>
             </a:extLst>
           </p:cNvPr>
@@ -2203,7 +2236,7 @@
           <p:cNvPr id="3" name="Content Placeholder 2">
             <a:extLst>
               <a:ext uri="{FF2B5EF4-FFF2-40B4-BE49-F238E27FC236}">
-                <a16:creationId xmlns:a16="http://schemas.microsoft.com/office/drawing/2014/main" id="{81537017-FDB5-D747-8AFA-0A878FA982B9}"/>
+                <a16:creationId xmlns="" xmlns:a16="http://schemas.microsoft.com/office/drawing/2014/main" id="{81537017-FDB5-D747-8AFA-0A878FA982B9}"/>
               </a:ext>
             </a:extLst>
           </p:cNvPr>
@@ -2293,7 +2326,7 @@
           <p:cNvPr id="4" name="Text Placeholder 3">
             <a:extLst>
               <a:ext uri="{FF2B5EF4-FFF2-40B4-BE49-F238E27FC236}">
-                <a16:creationId xmlns:a16="http://schemas.microsoft.com/office/drawing/2014/main" id="{F088683E-6946-D04A-B25D-1EC5E0EBD9EE}"/>
+                <a16:creationId xmlns="" xmlns:a16="http://schemas.microsoft.com/office/drawing/2014/main" id="{F088683E-6946-D04A-B25D-1EC5E0EBD9EE}"/>
               </a:ext>
             </a:extLst>
           </p:cNvPr>
@@ -2364,7 +2397,7 @@
           <p:cNvPr id="5" name="Date Placeholder 4">
             <a:extLst>
               <a:ext uri="{FF2B5EF4-FFF2-40B4-BE49-F238E27FC236}">
-                <a16:creationId xmlns:a16="http://schemas.microsoft.com/office/drawing/2014/main" id="{F0BF7F63-F1F5-0341-A24B-774A51D064B0}"/>
+                <a16:creationId xmlns="" xmlns:a16="http://schemas.microsoft.com/office/drawing/2014/main" id="{F0BF7F63-F1F5-0341-A24B-774A51D064B0}"/>
               </a:ext>
             </a:extLst>
           </p:cNvPr>
@@ -2382,7 +2415,8 @@
           <a:p>
             <a:fld id="{09CA0CD5-B40B-D542-8B2B-642B82847442}" type="datetimeFigureOut">
               <a:rPr lang="en-US" smtClean="0"/>
-              <a:t>12/31/18</a:t>
+              <a:pPr/>
+              <a:t>1/1/2019</a:t>
             </a:fld>
             <a:endParaRPr lang="en-US"/>
           </a:p>
@@ -2393,7 +2427,7 @@
           <p:cNvPr id="6" name="Footer Placeholder 5">
             <a:extLst>
               <a:ext uri="{FF2B5EF4-FFF2-40B4-BE49-F238E27FC236}">
-                <a16:creationId xmlns:a16="http://schemas.microsoft.com/office/drawing/2014/main" id="{768F585B-CF28-BB41-AD1F-BA68EB6FEC62}"/>
+                <a16:creationId xmlns="" xmlns:a16="http://schemas.microsoft.com/office/drawing/2014/main" id="{768F585B-CF28-BB41-AD1F-BA68EB6FEC62}"/>
               </a:ext>
             </a:extLst>
           </p:cNvPr>
@@ -2418,7 +2452,7 @@
           <p:cNvPr id="7" name="Slide Number Placeholder 6">
             <a:extLst>
               <a:ext uri="{FF2B5EF4-FFF2-40B4-BE49-F238E27FC236}">
-                <a16:creationId xmlns:a16="http://schemas.microsoft.com/office/drawing/2014/main" id="{8521C24F-5D65-B44F-970C-3F5E8C2FB2F8}"/>
+                <a16:creationId xmlns="" xmlns:a16="http://schemas.microsoft.com/office/drawing/2014/main" id="{8521C24F-5D65-B44F-970C-3F5E8C2FB2F8}"/>
               </a:ext>
             </a:extLst>
           </p:cNvPr>
@@ -2436,6 +2470,7 @@
           <a:p>
             <a:fld id="{F18B8740-E564-164A-BD89-177379422B32}" type="slidenum">
               <a:rPr lang="en-US" smtClean="0"/>
+              <a:pPr/>
               <a:t>‹#›</a:t>
             </a:fld>
             <a:endParaRPr lang="en-US"/>
@@ -2445,13 +2480,14 @@
     </p:spTree>
     <p:extLst>
       <p:ext uri="{BB962C8B-B14F-4D97-AF65-F5344CB8AC3E}">
-        <p14:creationId xmlns:p14="http://schemas.microsoft.com/office/powerpoint/2010/main" val="1676672127"/>
+        <p14:creationId xmlns="" xmlns:p14="http://schemas.microsoft.com/office/powerpoint/2010/main" val="1676672127"/>
       </p:ext>
     </p:extLst>
   </p:cSld>
   <p:clrMapOvr>
     <a:masterClrMapping/>
   </p:clrMapOvr>
+  <p:transition/>
 </p:sldLayout>
 </file>
 
@@ -2477,7 +2513,7 @@
           <p:cNvPr id="2" name="Title 1">
             <a:extLst>
               <a:ext uri="{FF2B5EF4-FFF2-40B4-BE49-F238E27FC236}">
-                <a16:creationId xmlns:a16="http://schemas.microsoft.com/office/drawing/2014/main" id="{1B5E2333-FC04-E747-BE3F-111E2CFF840C}"/>
+                <a16:creationId xmlns="" xmlns:a16="http://schemas.microsoft.com/office/drawing/2014/main" id="{1B5E2333-FC04-E747-BE3F-111E2CFF840C}"/>
               </a:ext>
             </a:extLst>
           </p:cNvPr>
@@ -2514,7 +2550,7 @@
           <p:cNvPr id="3" name="Picture Placeholder 2">
             <a:extLst>
               <a:ext uri="{FF2B5EF4-FFF2-40B4-BE49-F238E27FC236}">
-                <a16:creationId xmlns:a16="http://schemas.microsoft.com/office/drawing/2014/main" id="{24F837AB-E115-0C45-B41F-F7597C92A23C}"/>
+                <a16:creationId xmlns="" xmlns:a16="http://schemas.microsoft.com/office/drawing/2014/main" id="{24F837AB-E115-0C45-B41F-F7597C92A23C}"/>
               </a:ext>
             </a:extLst>
           </p:cNvPr>
@@ -2581,7 +2617,7 @@
           <p:cNvPr id="4" name="Text Placeholder 3">
             <a:extLst>
               <a:ext uri="{FF2B5EF4-FFF2-40B4-BE49-F238E27FC236}">
-                <a16:creationId xmlns:a16="http://schemas.microsoft.com/office/drawing/2014/main" id="{F86F9CFA-FADC-9945-AB13-312247A1625A}"/>
+                <a16:creationId xmlns="" xmlns:a16="http://schemas.microsoft.com/office/drawing/2014/main" id="{F86F9CFA-FADC-9945-AB13-312247A1625A}"/>
               </a:ext>
             </a:extLst>
           </p:cNvPr>
@@ -2652,7 +2688,7 @@
           <p:cNvPr id="5" name="Date Placeholder 4">
             <a:extLst>
               <a:ext uri="{FF2B5EF4-FFF2-40B4-BE49-F238E27FC236}">
-                <a16:creationId xmlns:a16="http://schemas.microsoft.com/office/drawing/2014/main" id="{F483A34E-ED25-2644-9FA8-FA629D4ED481}"/>
+                <a16:creationId xmlns="" xmlns:a16="http://schemas.microsoft.com/office/drawing/2014/main" id="{F483A34E-ED25-2644-9FA8-FA629D4ED481}"/>
               </a:ext>
             </a:extLst>
           </p:cNvPr>
@@ -2670,7 +2706,8 @@
           <a:p>
             <a:fld id="{09CA0CD5-B40B-D542-8B2B-642B82847442}" type="datetimeFigureOut">
               <a:rPr lang="en-US" smtClean="0"/>
-              <a:t>12/31/18</a:t>
+              <a:pPr/>
+              <a:t>1/1/2019</a:t>
             </a:fld>
             <a:endParaRPr lang="en-US"/>
           </a:p>
@@ -2681,7 +2718,7 @@
           <p:cNvPr id="6" name="Footer Placeholder 5">
             <a:extLst>
               <a:ext uri="{FF2B5EF4-FFF2-40B4-BE49-F238E27FC236}">
-                <a16:creationId xmlns:a16="http://schemas.microsoft.com/office/drawing/2014/main" id="{91D65CAC-F3C1-2644-B6EB-FEE13E951589}"/>
+                <a16:creationId xmlns="" xmlns:a16="http://schemas.microsoft.com/office/drawing/2014/main" id="{91D65CAC-F3C1-2644-B6EB-FEE13E951589}"/>
               </a:ext>
             </a:extLst>
           </p:cNvPr>
@@ -2706,7 +2743,7 @@
           <p:cNvPr id="7" name="Slide Number Placeholder 6">
             <a:extLst>
               <a:ext uri="{FF2B5EF4-FFF2-40B4-BE49-F238E27FC236}">
-                <a16:creationId xmlns:a16="http://schemas.microsoft.com/office/drawing/2014/main" id="{D84C7B70-A6D0-1746-BC31-7521284B9F86}"/>
+                <a16:creationId xmlns="" xmlns:a16="http://schemas.microsoft.com/office/drawing/2014/main" id="{D84C7B70-A6D0-1746-BC31-7521284B9F86}"/>
               </a:ext>
             </a:extLst>
           </p:cNvPr>
@@ -2724,6 +2761,7 @@
           <a:p>
             <a:fld id="{F18B8740-E564-164A-BD89-177379422B32}" type="slidenum">
               <a:rPr lang="en-US" smtClean="0"/>
+              <a:pPr/>
               <a:t>‹#›</a:t>
             </a:fld>
             <a:endParaRPr lang="en-US"/>
@@ -2733,13 +2771,14 @@
     </p:spTree>
     <p:extLst>
       <p:ext uri="{BB962C8B-B14F-4D97-AF65-F5344CB8AC3E}">
-        <p14:creationId xmlns:p14="http://schemas.microsoft.com/office/powerpoint/2010/main" val="1683994650"/>
+        <p14:creationId xmlns="" xmlns:p14="http://schemas.microsoft.com/office/powerpoint/2010/main" val="1683994650"/>
       </p:ext>
     </p:extLst>
   </p:cSld>
   <p:clrMapOvr>
     <a:masterClrMapping/>
   </p:clrMapOvr>
+  <p:transition/>
 </p:sldLayout>
 </file>
 
@@ -2770,7 +2809,7 @@
           <p:cNvPr id="2" name="Title Placeholder 1">
             <a:extLst>
               <a:ext uri="{FF2B5EF4-FFF2-40B4-BE49-F238E27FC236}">
-                <a16:creationId xmlns:a16="http://schemas.microsoft.com/office/drawing/2014/main" id="{4D87FB53-902E-2745-BA26-AB5667648273}"/>
+                <a16:creationId xmlns="" xmlns:a16="http://schemas.microsoft.com/office/drawing/2014/main" id="{4D87FB53-902E-2745-BA26-AB5667648273}"/>
               </a:ext>
             </a:extLst>
           </p:cNvPr>
@@ -2808,7 +2847,7 @@
           <p:cNvPr id="3" name="Text Placeholder 2">
             <a:extLst>
               <a:ext uri="{FF2B5EF4-FFF2-40B4-BE49-F238E27FC236}">
-                <a16:creationId xmlns:a16="http://schemas.microsoft.com/office/drawing/2014/main" id="{9C343334-26F7-0C4C-8CEC-FD51D33ED97B}"/>
+                <a16:creationId xmlns="" xmlns:a16="http://schemas.microsoft.com/office/drawing/2014/main" id="{9C343334-26F7-0C4C-8CEC-FD51D33ED97B}"/>
               </a:ext>
             </a:extLst>
           </p:cNvPr>
@@ -2875,7 +2914,7 @@
           <p:cNvPr id="4" name="Date Placeholder 3">
             <a:extLst>
               <a:ext uri="{FF2B5EF4-FFF2-40B4-BE49-F238E27FC236}">
-                <a16:creationId xmlns:a16="http://schemas.microsoft.com/office/drawing/2014/main" id="{9AECCD43-F17F-AB48-AF54-9B6C8521D8B0}"/>
+                <a16:creationId xmlns="" xmlns:a16="http://schemas.microsoft.com/office/drawing/2014/main" id="{9AECCD43-F17F-AB48-AF54-9B6C8521D8B0}"/>
               </a:ext>
             </a:extLst>
           </p:cNvPr>
@@ -2911,7 +2950,8 @@
           <a:p>
             <a:fld id="{09CA0CD5-B40B-D542-8B2B-642B82847442}" type="datetimeFigureOut">
               <a:rPr lang="en-US" smtClean="0"/>
-              <a:t>12/31/18</a:t>
+              <a:pPr/>
+              <a:t>1/1/2019</a:t>
             </a:fld>
             <a:endParaRPr lang="en-US"/>
           </a:p>
@@ -2922,7 +2962,7 @@
           <p:cNvPr id="5" name="Footer Placeholder 4">
             <a:extLst>
               <a:ext uri="{FF2B5EF4-FFF2-40B4-BE49-F238E27FC236}">
-                <a16:creationId xmlns:a16="http://schemas.microsoft.com/office/drawing/2014/main" id="{FD0A6299-C9BE-7748-9A0B-BBD92106480A}"/>
+                <a16:creationId xmlns="" xmlns:a16="http://schemas.microsoft.com/office/drawing/2014/main" id="{FD0A6299-C9BE-7748-9A0B-BBD92106480A}"/>
               </a:ext>
             </a:extLst>
           </p:cNvPr>
@@ -2965,7 +3005,7 @@
           <p:cNvPr id="6" name="Slide Number Placeholder 5">
             <a:extLst>
               <a:ext uri="{FF2B5EF4-FFF2-40B4-BE49-F238E27FC236}">
-                <a16:creationId xmlns:a16="http://schemas.microsoft.com/office/drawing/2014/main" id="{778DB17E-9CAB-FA46-819B-239E42A538F5}"/>
+                <a16:creationId xmlns="" xmlns:a16="http://schemas.microsoft.com/office/drawing/2014/main" id="{778DB17E-9CAB-FA46-819B-239E42A538F5}"/>
               </a:ext>
             </a:extLst>
           </p:cNvPr>
@@ -3001,6 +3041,7 @@
           <a:p>
             <a:fld id="{F18B8740-E564-164A-BD89-177379422B32}" type="slidenum">
               <a:rPr lang="en-US" smtClean="0"/>
+              <a:pPr/>
               <a:t>‹#›</a:t>
             </a:fld>
             <a:endParaRPr lang="en-US"/>
@@ -3010,7 +3051,7 @@
     </p:spTree>
     <p:extLst>
       <p:ext uri="{BB962C8B-B14F-4D97-AF65-F5344CB8AC3E}">
-        <p14:creationId xmlns:p14="http://schemas.microsoft.com/office/powerpoint/2010/main" val="1469543421"/>
+        <p14:creationId xmlns="" xmlns:p14="http://schemas.microsoft.com/office/powerpoint/2010/main" val="1469543421"/>
       </p:ext>
     </p:extLst>
   </p:cSld>
@@ -3028,6 +3069,7 @@
     <p:sldLayoutId id="2147483658" r:id="rId10"/>
     <p:sldLayoutId id="2147483659" r:id="rId11"/>
   </p:sldLayoutIdLst>
+  <p:transition/>
   <p:txStyles>
     <p:titleStyle>
       <a:lvl1pPr algn="l" defTabSz="914400" rtl="0" eaLnBrk="1" latinLnBrk="0" hangingPunct="1">
@@ -3333,7 +3375,7 @@
           <p:cNvPr id="2" name="Title 1">
             <a:extLst>
               <a:ext uri="{FF2B5EF4-FFF2-40B4-BE49-F238E27FC236}">
-                <a16:creationId xmlns:a16="http://schemas.microsoft.com/office/drawing/2014/main" id="{BD3A1872-004E-374B-A262-3AFA2206E2A1}"/>
+                <a16:creationId xmlns="" xmlns:a16="http://schemas.microsoft.com/office/drawing/2014/main" id="{BD3A1872-004E-374B-A262-3AFA2206E2A1}"/>
               </a:ext>
             </a:extLst>
           </p:cNvPr>
@@ -3368,7 +3410,7 @@
           <p:cNvPr id="3" name="Subtitle 2">
             <a:extLst>
               <a:ext uri="{FF2B5EF4-FFF2-40B4-BE49-F238E27FC236}">
-                <a16:creationId xmlns:a16="http://schemas.microsoft.com/office/drawing/2014/main" id="{BA223FEA-8CE1-BD4A-8D7F-6A48438620A0}"/>
+                <a16:creationId xmlns="" xmlns:a16="http://schemas.microsoft.com/office/drawing/2014/main" id="{BA223FEA-8CE1-BD4A-8D7F-6A48438620A0}"/>
               </a:ext>
             </a:extLst>
           </p:cNvPr>
@@ -3385,34 +3427,1313 @@
           <a:lstStyle/>
           <a:p>
             <a:r>
-              <a:rPr lang="en-US" dirty="0" err="1"/>
+              <a:rPr lang="en-US" dirty="0" err="1" smtClean="0"/>
+              <a:t>Yiheng</a:t>
+            </a:r>
+            <a:r>
+              <a:rPr lang="en-US" dirty="0" smtClean="0"/>
+              <a:t> Lin, </a:t>
+            </a:r>
+            <a:r>
+              <a:rPr lang="en-US" altLang="zh-CN" dirty="0" err="1" smtClean="0"/>
               <a:t>Zhihao</a:t>
             </a:r>
             <a:r>
-              <a:rPr lang="en-US" dirty="0"/>
-              <a:t> Jiang, </a:t>
-            </a:r>
-            <a:r>
-              <a:rPr lang="en-US" dirty="0" err="1"/>
-              <a:t>Yiheng</a:t>
-            </a:r>
-            <a:r>
-              <a:rPr lang="en-US" dirty="0"/>
-              <a:t> Lin</a:t>
-            </a:r>
+              <a:rPr lang="en-US" altLang="zh-CN" dirty="0" smtClean="0"/>
+              <a:t> Jiang</a:t>
+            </a:r>
+            <a:endParaRPr lang="en-US" dirty="0"/>
           </a:p>
         </p:txBody>
       </p:sp>
     </p:spTree>
     <p:extLst>
       <p:ext uri="{BB962C8B-B14F-4D97-AF65-F5344CB8AC3E}">
-        <p14:creationId xmlns:p14="http://schemas.microsoft.com/office/powerpoint/2010/main" val="2003928709"/>
+        <p14:creationId xmlns="" xmlns:p14="http://schemas.microsoft.com/office/powerpoint/2010/main" val="2003928709"/>
       </p:ext>
     </p:extLst>
   </p:cSld>
   <p:clrMapOvr>
     <a:masterClrMapping/>
   </p:clrMapOvr>
+  <p:transition/>
+  <p:timing>
+    <p:tnLst>
+      <p:par>
+        <p:cTn id="1" dur="indefinite" restart="never" nodeType="tmRoot"/>
+      </p:par>
+    </p:tnLst>
+  </p:timing>
+</p:sld>
+</file>
+
+<file path=ppt/slides/slide10.xml><?xml version="1.0" encoding="utf-8"?>
+<p:sld xmlns:a="http://schemas.openxmlformats.org/drawingml/2006/main" xmlns:r="http://schemas.openxmlformats.org/officeDocument/2006/relationships" xmlns:p="http://schemas.openxmlformats.org/presentationml/2006/main">
+  <p:cSld>
+    <p:spTree>
+      <p:nvGrpSpPr>
+        <p:cNvPr id="1" name=""/>
+        <p:cNvGrpSpPr/>
+        <p:nvPr/>
+      </p:nvGrpSpPr>
+      <p:grpSpPr>
+        <a:xfrm>
+          <a:off x="0" y="0"/>
+          <a:ext cx="0" cy="0"/>
+          <a:chOff x="0" y="0"/>
+          <a:chExt cx="0" cy="0"/>
+        </a:xfrm>
+      </p:grpSpPr>
+      <p:sp>
+        <p:nvSpPr>
+          <p:cNvPr id="2" name="Title 1">
+            <a:extLst>
+              <a:ext uri="{FF2B5EF4-FFF2-40B4-BE49-F238E27FC236}">
+                <a16:creationId xmlns="" xmlns:a16="http://schemas.microsoft.com/office/drawing/2014/main" id="{C1EC354D-BD40-AF45-9424-4889460F4868}"/>
+              </a:ext>
+            </a:extLst>
+          </p:cNvPr>
+          <p:cNvSpPr>
+            <a:spLocks noGrp="1"/>
+          </p:cNvSpPr>
+          <p:nvPr>
+            <p:ph type="title"/>
+          </p:nvPr>
+        </p:nvSpPr>
+        <p:spPr/>
+        <p:txBody>
+          <a:bodyPr/>
+          <a:lstStyle/>
+          <a:p>
+            <a:r>
+              <a:rPr lang="en-US" dirty="0" smtClean="0"/>
+              <a:t>Implementation Details</a:t>
+            </a:r>
+            <a:endParaRPr lang="en-US" dirty="0"/>
+          </a:p>
+        </p:txBody>
+      </p:sp>
+      <p:sp>
+        <p:nvSpPr>
+          <p:cNvPr id="3" name="Content Placeholder 2">
+            <a:extLst>
+              <a:ext uri="{FF2B5EF4-FFF2-40B4-BE49-F238E27FC236}">
+                <a16:creationId xmlns="" xmlns:a16="http://schemas.microsoft.com/office/drawing/2014/main" id="{9CEF9568-B20E-2144-B5A8-CE268B55E4C7}"/>
+              </a:ext>
+            </a:extLst>
+          </p:cNvPr>
+          <p:cNvSpPr>
+            <a:spLocks noGrp="1"/>
+          </p:cNvSpPr>
+          <p:nvPr>
+            <p:ph idx="1"/>
+          </p:nvPr>
+        </p:nvSpPr>
+        <p:spPr/>
+        <p:txBody>
+          <a:bodyPr>
+            <a:normAutofit/>
+          </a:bodyPr>
+          <a:lstStyle/>
+          <a:p>
+            <a:r>
+              <a:rPr lang="en-US" dirty="0" smtClean="0"/>
+              <a:t>Set the </a:t>
+            </a:r>
+            <a:r>
+              <a:rPr lang="en-US" dirty="0" err="1" smtClean="0"/>
+              <a:t>subgoal</a:t>
+            </a:r>
+            <a:endParaRPr lang="en-US" dirty="0" smtClean="0"/>
+          </a:p>
+          <a:p>
+            <a:endParaRPr lang="en-US" dirty="0" smtClean="0"/>
+          </a:p>
+          <a:p>
+            <a:r>
+              <a:rPr lang="en-US" dirty="0" smtClean="0"/>
+              <a:t>Transmit the reward information</a:t>
+            </a:r>
+          </a:p>
+          <a:p>
+            <a:endParaRPr lang="en-US" dirty="0" smtClean="0"/>
+          </a:p>
+          <a:p>
+            <a:endParaRPr lang="en-US" dirty="0" smtClean="0"/>
+          </a:p>
+          <a:p>
+            <a:endParaRPr lang="en-US" dirty="0" smtClean="0"/>
+          </a:p>
+          <a:p>
+            <a:endParaRPr lang="en-US" dirty="0"/>
+          </a:p>
+        </p:txBody>
+      </p:sp>
+    </p:spTree>
+    <p:extLst>
+      <p:ext uri="{BB962C8B-B14F-4D97-AF65-F5344CB8AC3E}">
+        <p14:creationId xmlns="" xmlns:p14="http://schemas.microsoft.com/office/powerpoint/2010/main" val="3336687296"/>
+      </p:ext>
+    </p:extLst>
+  </p:cSld>
+  <p:clrMapOvr>
+    <a:masterClrMapping/>
+  </p:clrMapOvr>
+  <p:transition/>
+  <p:timing>
+    <p:tnLst>
+      <p:par>
+        <p:cTn id="1" dur="indefinite" restart="never" nodeType="tmRoot">
+          <p:childTnLst>
+            <p:seq concurrent="1" nextAc="seek">
+              <p:cTn id="2" dur="indefinite" nodeType="mainSeq">
+                <p:childTnLst>
+                  <p:par>
+                    <p:cTn id="3" fill="hold">
+                      <p:stCondLst>
+                        <p:cond delay="indefinite"/>
+                      </p:stCondLst>
+                      <p:childTnLst>
+                        <p:par>
+                          <p:cTn id="4" fill="hold">
+                            <p:stCondLst>
+                              <p:cond delay="0"/>
+                            </p:stCondLst>
+                            <p:childTnLst>
+                              <p:par>
+                                <p:cTn id="5" presetID="22" presetClass="entr" presetSubtype="4" fill="hold" grpId="0" nodeType="clickEffect">
+                                  <p:stCondLst>
+                                    <p:cond delay="0"/>
+                                  </p:stCondLst>
+                                  <p:childTnLst>
+                                    <p:set>
+                                      <p:cBhvr>
+                                        <p:cTn id="6" dur="1" fill="hold">
+                                          <p:stCondLst>
+                                            <p:cond delay="0"/>
+                                          </p:stCondLst>
+                                        </p:cTn>
+                                        <p:tgtEl>
+                                          <p:spTgt spid="3">
+                                            <p:txEl>
+                                              <p:pRg st="0" end="0"/>
+                                            </p:txEl>
+                                          </p:spTgt>
+                                        </p:tgtEl>
+                                        <p:attrNameLst>
+                                          <p:attrName>style.visibility</p:attrName>
+                                        </p:attrNameLst>
+                                      </p:cBhvr>
+                                      <p:to>
+                                        <p:strVal val="visible"/>
+                                      </p:to>
+                                    </p:set>
+                                    <p:animEffect transition="in" filter="wipe(down)">
+                                      <p:cBhvr>
+                                        <p:cTn id="7" dur="500"/>
+                                        <p:tgtEl>
+                                          <p:spTgt spid="3">
+                                            <p:txEl>
+                                              <p:pRg st="0" end="0"/>
+                                            </p:txEl>
+                                          </p:spTgt>
+                                        </p:tgtEl>
+                                      </p:cBhvr>
+                                    </p:animEffect>
+                                  </p:childTnLst>
+                                </p:cTn>
+                              </p:par>
+                            </p:childTnLst>
+                          </p:cTn>
+                        </p:par>
+                      </p:childTnLst>
+                    </p:cTn>
+                  </p:par>
+                  <p:par>
+                    <p:cTn id="8" fill="hold">
+                      <p:stCondLst>
+                        <p:cond delay="indefinite"/>
+                      </p:stCondLst>
+                      <p:childTnLst>
+                        <p:par>
+                          <p:cTn id="9" fill="hold">
+                            <p:stCondLst>
+                              <p:cond delay="0"/>
+                            </p:stCondLst>
+                            <p:childTnLst>
+                              <p:par>
+                                <p:cTn id="10" presetID="22" presetClass="entr" presetSubtype="4" fill="hold" grpId="0" nodeType="clickEffect">
+                                  <p:stCondLst>
+                                    <p:cond delay="0"/>
+                                  </p:stCondLst>
+                                  <p:childTnLst>
+                                    <p:set>
+                                      <p:cBhvr>
+                                        <p:cTn id="11" dur="1" fill="hold">
+                                          <p:stCondLst>
+                                            <p:cond delay="0"/>
+                                          </p:stCondLst>
+                                        </p:cTn>
+                                        <p:tgtEl>
+                                          <p:spTgt spid="3">
+                                            <p:txEl>
+                                              <p:pRg st="2" end="2"/>
+                                            </p:txEl>
+                                          </p:spTgt>
+                                        </p:tgtEl>
+                                        <p:attrNameLst>
+                                          <p:attrName>style.visibility</p:attrName>
+                                        </p:attrNameLst>
+                                      </p:cBhvr>
+                                      <p:to>
+                                        <p:strVal val="visible"/>
+                                      </p:to>
+                                    </p:set>
+                                    <p:animEffect transition="in" filter="wipe(down)">
+                                      <p:cBhvr>
+                                        <p:cTn id="12" dur="500"/>
+                                        <p:tgtEl>
+                                          <p:spTgt spid="3">
+                                            <p:txEl>
+                                              <p:pRg st="2" end="2"/>
+                                            </p:txEl>
+                                          </p:spTgt>
+                                        </p:tgtEl>
+                                      </p:cBhvr>
+                                    </p:animEffect>
+                                  </p:childTnLst>
+                                </p:cTn>
+                              </p:par>
+                            </p:childTnLst>
+                          </p:cTn>
+                        </p:par>
+                      </p:childTnLst>
+                    </p:cTn>
+                  </p:par>
+                </p:childTnLst>
+              </p:cTn>
+              <p:prevCondLst>
+                <p:cond evt="onPrev" delay="0">
+                  <p:tgtEl>
+                    <p:sldTgt/>
+                  </p:tgtEl>
+                </p:cond>
+              </p:prevCondLst>
+              <p:nextCondLst>
+                <p:cond evt="onNext" delay="0">
+                  <p:tgtEl>
+                    <p:sldTgt/>
+                  </p:tgtEl>
+                </p:cond>
+              </p:nextCondLst>
+            </p:seq>
+          </p:childTnLst>
+        </p:cTn>
+      </p:par>
+    </p:tnLst>
+    <p:bldLst>
+      <p:bldP spid="3" grpId="0" build="p"/>
+    </p:bldLst>
+  </p:timing>
+</p:sld>
+</file>
+
+<file path=ppt/slides/slide11.xml><?xml version="1.0" encoding="utf-8"?>
+<p:sld xmlns:a="http://schemas.openxmlformats.org/drawingml/2006/main" xmlns:r="http://schemas.openxmlformats.org/officeDocument/2006/relationships" xmlns:p="http://schemas.openxmlformats.org/presentationml/2006/main">
+  <p:cSld>
+    <p:spTree>
+      <p:nvGrpSpPr>
+        <p:cNvPr id="1" name=""/>
+        <p:cNvGrpSpPr/>
+        <p:nvPr/>
+      </p:nvGrpSpPr>
+      <p:grpSpPr>
+        <a:xfrm>
+          <a:off x="0" y="0"/>
+          <a:ext cx="0" cy="0"/>
+          <a:chOff x="0" y="0"/>
+          <a:chExt cx="0" cy="0"/>
+        </a:xfrm>
+      </p:grpSpPr>
+      <p:sp>
+        <p:nvSpPr>
+          <p:cNvPr id="2" name="Title 1">
+            <a:extLst>
+              <a:ext uri="{FF2B5EF4-FFF2-40B4-BE49-F238E27FC236}">
+                <a16:creationId xmlns="" xmlns:a16="http://schemas.microsoft.com/office/drawing/2014/main" id="{C1EC354D-BD40-AF45-9424-4889460F4868}"/>
+              </a:ext>
+            </a:extLst>
+          </p:cNvPr>
+          <p:cNvSpPr>
+            <a:spLocks noGrp="1"/>
+          </p:cNvSpPr>
+          <p:nvPr>
+            <p:ph type="title"/>
+          </p:nvPr>
+        </p:nvSpPr>
+        <p:spPr/>
+        <p:txBody>
+          <a:bodyPr/>
+          <a:lstStyle/>
+          <a:p>
+            <a:r>
+              <a:rPr lang="en-US" dirty="0" smtClean="0"/>
+              <a:t>Performance</a:t>
+            </a:r>
+            <a:endParaRPr lang="en-US" dirty="0"/>
+          </a:p>
+        </p:txBody>
+      </p:sp>
+      <p:pic>
+        <p:nvPicPr>
+          <p:cNvPr id="1026" name="Picture 2"/>
+          <p:cNvPicPr>
+            <a:picLocks noGrp="1" noChangeAspect="1" noChangeArrowheads="1"/>
+          </p:cNvPicPr>
+          <p:nvPr>
+            <p:ph idx="1"/>
+          </p:nvPr>
+        </p:nvPicPr>
+        <p:blipFill>
+          <a:blip r:embed="rId2"/>
+          <a:srcRect/>
+          <a:stretch>
+            <a:fillRect/>
+          </a:stretch>
+        </p:blipFill>
+        <p:spPr bwMode="auto">
+          <a:xfrm>
+            <a:off x="1564433" y="1431742"/>
+            <a:ext cx="8249816" cy="4343907"/>
+          </a:xfrm>
+          <a:prstGeom prst="rect">
+            <a:avLst/>
+          </a:prstGeom>
+          <a:noFill/>
+          <a:ln w="9525">
+            <a:noFill/>
+            <a:miter lim="800000"/>
+            <a:headEnd/>
+            <a:tailEnd/>
+          </a:ln>
+        </p:spPr>
+      </p:pic>
+      <p:sp>
+        <p:nvSpPr>
+          <p:cNvPr id="5" name="Content Placeholder 2">
+            <a:extLst>
+              <a:ext uri="{FF2B5EF4-FFF2-40B4-BE49-F238E27FC236}">
+                <a16:creationId xmlns="" xmlns:a16="http://schemas.microsoft.com/office/drawing/2014/main" id="{9CEF9568-B20E-2144-B5A8-CE268B55E4C7}"/>
+              </a:ext>
+            </a:extLst>
+          </p:cNvPr>
+          <p:cNvSpPr txBox="1">
+            <a:spLocks/>
+          </p:cNvSpPr>
+          <p:nvPr/>
+        </p:nvSpPr>
+        <p:spPr>
+          <a:xfrm>
+            <a:off x="838200" y="5976306"/>
+            <a:ext cx="10515600" cy="401314"/>
+          </a:xfrm>
+          <a:prstGeom prst="rect">
+            <a:avLst/>
+          </a:prstGeom>
+        </p:spPr>
+        <p:txBody>
+          <a:bodyPr vert="horz" lIns="91440" tIns="45720" rIns="91440" bIns="45720" rtlCol="0">
+            <a:normAutofit fontScale="92500" lnSpcReduction="20000"/>
+          </a:bodyPr>
+          <a:lstStyle/>
+          <a:p>
+            <a:pPr marL="228600" lvl="0" indent="-228600">
+              <a:lnSpc>
+                <a:spcPct val="90000"/>
+              </a:lnSpc>
+              <a:spcBef>
+                <a:spcPts val="1000"/>
+              </a:spcBef>
+              <a:buFont typeface="Arial" panose="020B0604020202020204" pitchFamily="34" charset="0"/>
+              <a:buChar char="•"/>
+            </a:pPr>
+            <a:r>
+              <a:rPr lang="en-US" sz="2800" dirty="0" smtClean="0"/>
+              <a:t>Discovery: the line raises abruptly some time</a:t>
+            </a:r>
+            <a:endParaRPr kumimoji="0" lang="en-US" sz="2800" b="0" i="0" u="none" strike="noStrike" kern="1200" cap="none" spc="0" normalizeH="0" baseline="0" noProof="0" dirty="0" smtClean="0">
+              <a:ln>
+                <a:noFill/>
+              </a:ln>
+              <a:solidFill>
+                <a:schemeClr val="tx1"/>
+              </a:solidFill>
+              <a:effectLst/>
+              <a:uLnTx/>
+              <a:uFillTx/>
+              <a:latin typeface="+mn-lt"/>
+              <a:ea typeface="+mn-ea"/>
+              <a:cs typeface="+mn-cs"/>
+            </a:endParaRPr>
+          </a:p>
+          <a:p>
+            <a:pPr marL="228600" marR="0" lvl="0" indent="-228600" algn="l" defTabSz="914400" rtl="0" eaLnBrk="1" fontAlgn="auto" latinLnBrk="0" hangingPunct="1">
+              <a:lnSpc>
+                <a:spcPct val="90000"/>
+              </a:lnSpc>
+              <a:spcBef>
+                <a:spcPts val="1000"/>
+              </a:spcBef>
+              <a:spcAft>
+                <a:spcPts val="0"/>
+              </a:spcAft>
+              <a:buClrTx/>
+              <a:buSzTx/>
+              <a:buFont typeface="Arial" panose="020B0604020202020204" pitchFamily="34" charset="0"/>
+              <a:buChar char="•"/>
+              <a:tabLst/>
+              <a:defRPr/>
+            </a:pPr>
+            <a:endParaRPr kumimoji="0" lang="en-US" sz="2800" b="0" i="0" u="none" strike="noStrike" kern="1200" cap="none" spc="0" normalizeH="0" baseline="0" noProof="0" dirty="0" smtClean="0">
+              <a:ln>
+                <a:noFill/>
+              </a:ln>
+              <a:solidFill>
+                <a:schemeClr val="tx1"/>
+              </a:solidFill>
+              <a:effectLst/>
+              <a:uLnTx/>
+              <a:uFillTx/>
+              <a:latin typeface="+mn-lt"/>
+              <a:ea typeface="+mn-ea"/>
+              <a:cs typeface="+mn-cs"/>
+            </a:endParaRPr>
+          </a:p>
+          <a:p>
+            <a:pPr marL="228600" marR="0" lvl="0" indent="-228600" algn="l" defTabSz="914400" rtl="0" eaLnBrk="1" fontAlgn="auto" latinLnBrk="0" hangingPunct="1">
+              <a:lnSpc>
+                <a:spcPct val="90000"/>
+              </a:lnSpc>
+              <a:spcBef>
+                <a:spcPts val="1000"/>
+              </a:spcBef>
+              <a:spcAft>
+                <a:spcPts val="0"/>
+              </a:spcAft>
+              <a:buClrTx/>
+              <a:buSzTx/>
+              <a:buFont typeface="Arial" panose="020B0604020202020204" pitchFamily="34" charset="0"/>
+              <a:buChar char="•"/>
+              <a:tabLst/>
+              <a:defRPr/>
+            </a:pPr>
+            <a:endParaRPr kumimoji="0" lang="en-US" sz="2800" b="0" i="0" u="none" strike="noStrike" kern="1200" cap="none" spc="0" normalizeH="0" baseline="0" noProof="0" dirty="0">
+              <a:ln>
+                <a:noFill/>
+              </a:ln>
+              <a:solidFill>
+                <a:schemeClr val="tx1"/>
+              </a:solidFill>
+              <a:effectLst/>
+              <a:uLnTx/>
+              <a:uFillTx/>
+              <a:latin typeface="+mn-lt"/>
+              <a:ea typeface="+mn-ea"/>
+              <a:cs typeface="+mn-cs"/>
+            </a:endParaRPr>
+          </a:p>
+        </p:txBody>
+      </p:sp>
+    </p:spTree>
+    <p:extLst>
+      <p:ext uri="{BB962C8B-B14F-4D97-AF65-F5344CB8AC3E}">
+        <p14:creationId xmlns="" xmlns:p14="http://schemas.microsoft.com/office/powerpoint/2010/main" val="3336687296"/>
+      </p:ext>
+    </p:extLst>
+  </p:cSld>
+  <p:clrMapOvr>
+    <a:masterClrMapping/>
+  </p:clrMapOvr>
+  <p:transition/>
+  <p:timing>
+    <p:tnLst>
+      <p:par>
+        <p:cTn id="1" dur="indefinite" restart="never" nodeType="tmRoot">
+          <p:childTnLst>
+            <p:seq concurrent="1" nextAc="seek">
+              <p:cTn id="2" dur="indefinite" nodeType="mainSeq">
+                <p:childTnLst>
+                  <p:par>
+                    <p:cTn id="3" fill="hold">
+                      <p:stCondLst>
+                        <p:cond delay="indefinite"/>
+                      </p:stCondLst>
+                      <p:childTnLst>
+                        <p:par>
+                          <p:cTn id="4" fill="hold">
+                            <p:stCondLst>
+                              <p:cond delay="0"/>
+                            </p:stCondLst>
+                            <p:childTnLst>
+                              <p:par>
+                                <p:cTn id="5" presetID="22" presetClass="entr" presetSubtype="4" fill="hold" grpId="0" nodeType="clickEffect">
+                                  <p:stCondLst>
+                                    <p:cond delay="0"/>
+                                  </p:stCondLst>
+                                  <p:childTnLst>
+                                    <p:set>
+                                      <p:cBhvr>
+                                        <p:cTn id="6" dur="1" fill="hold">
+                                          <p:stCondLst>
+                                            <p:cond delay="0"/>
+                                          </p:stCondLst>
+                                        </p:cTn>
+                                        <p:tgtEl>
+                                          <p:spTgt spid="5">
+                                            <p:txEl>
+                                              <p:pRg st="0" end="0"/>
+                                            </p:txEl>
+                                          </p:spTgt>
+                                        </p:tgtEl>
+                                        <p:attrNameLst>
+                                          <p:attrName>style.visibility</p:attrName>
+                                        </p:attrNameLst>
+                                      </p:cBhvr>
+                                      <p:to>
+                                        <p:strVal val="visible"/>
+                                      </p:to>
+                                    </p:set>
+                                    <p:animEffect transition="in" filter="wipe(down)">
+                                      <p:cBhvr>
+                                        <p:cTn id="7" dur="500"/>
+                                        <p:tgtEl>
+                                          <p:spTgt spid="5">
+                                            <p:txEl>
+                                              <p:pRg st="0" end="0"/>
+                                            </p:txEl>
+                                          </p:spTgt>
+                                        </p:tgtEl>
+                                      </p:cBhvr>
+                                    </p:animEffect>
+                                  </p:childTnLst>
+                                </p:cTn>
+                              </p:par>
+                            </p:childTnLst>
+                          </p:cTn>
+                        </p:par>
+                      </p:childTnLst>
+                    </p:cTn>
+                  </p:par>
+                </p:childTnLst>
+              </p:cTn>
+              <p:prevCondLst>
+                <p:cond evt="onPrev" delay="0">
+                  <p:tgtEl>
+                    <p:sldTgt/>
+                  </p:tgtEl>
+                </p:cond>
+              </p:prevCondLst>
+              <p:nextCondLst>
+                <p:cond evt="onNext" delay="0">
+                  <p:tgtEl>
+                    <p:sldTgt/>
+                  </p:tgtEl>
+                </p:cond>
+              </p:nextCondLst>
+            </p:seq>
+          </p:childTnLst>
+        </p:cTn>
+      </p:par>
+    </p:tnLst>
+    <p:bldLst>
+      <p:bldP spid="5" grpId="0" build="p"/>
+    </p:bldLst>
+  </p:timing>
+</p:sld>
+</file>
+
+<file path=ppt/slides/slide12.xml><?xml version="1.0" encoding="utf-8"?>
+<p:sld xmlns:a="http://schemas.openxmlformats.org/drawingml/2006/main" xmlns:r="http://schemas.openxmlformats.org/officeDocument/2006/relationships" xmlns:p="http://schemas.openxmlformats.org/presentationml/2006/main">
+  <p:cSld>
+    <p:spTree>
+      <p:nvGrpSpPr>
+        <p:cNvPr id="1" name=""/>
+        <p:cNvGrpSpPr/>
+        <p:nvPr/>
+      </p:nvGrpSpPr>
+      <p:grpSpPr>
+        <a:xfrm>
+          <a:off x="0" y="0"/>
+          <a:ext cx="0" cy="0"/>
+          <a:chOff x="0" y="0"/>
+          <a:chExt cx="0" cy="0"/>
+        </a:xfrm>
+      </p:grpSpPr>
+      <p:sp>
+        <p:nvSpPr>
+          <p:cNvPr id="2" name="Title 1">
+            <a:extLst>
+              <a:ext uri="{FF2B5EF4-FFF2-40B4-BE49-F238E27FC236}">
+                <a16:creationId xmlns="" xmlns:a16="http://schemas.microsoft.com/office/drawing/2014/main" id="{C1EC354D-BD40-AF45-9424-4889460F4868}"/>
+              </a:ext>
+            </a:extLst>
+          </p:cNvPr>
+          <p:cNvSpPr>
+            <a:spLocks noGrp="1"/>
+          </p:cNvSpPr>
+          <p:nvPr>
+            <p:ph type="title"/>
+          </p:nvPr>
+        </p:nvSpPr>
+        <p:spPr/>
+        <p:txBody>
+          <a:bodyPr/>
+          <a:lstStyle/>
+          <a:p>
+            <a:r>
+              <a:rPr lang="en-US" dirty="0" smtClean="0"/>
+              <a:t>Some Ideas</a:t>
+            </a:r>
+            <a:endParaRPr lang="en-US" dirty="0"/>
+          </a:p>
+        </p:txBody>
+      </p:sp>
+      <p:sp>
+        <p:nvSpPr>
+          <p:cNvPr id="3" name="Content Placeholder 2">
+            <a:extLst>
+              <a:ext uri="{FF2B5EF4-FFF2-40B4-BE49-F238E27FC236}">
+                <a16:creationId xmlns="" xmlns:a16="http://schemas.microsoft.com/office/drawing/2014/main" id="{9CEF9568-B20E-2144-B5A8-CE268B55E4C7}"/>
+              </a:ext>
+            </a:extLst>
+          </p:cNvPr>
+          <p:cNvSpPr>
+            <a:spLocks noGrp="1"/>
+          </p:cNvSpPr>
+          <p:nvPr>
+            <p:ph idx="1"/>
+          </p:nvPr>
+        </p:nvSpPr>
+        <p:spPr/>
+        <p:txBody>
+          <a:bodyPr>
+            <a:normAutofit/>
+          </a:bodyPr>
+          <a:lstStyle/>
+          <a:p>
+            <a:r>
+              <a:rPr lang="en-US" dirty="0" smtClean="0"/>
+              <a:t>Initial parameters in DQN using this method</a:t>
+            </a:r>
+          </a:p>
+          <a:p>
+            <a:endParaRPr lang="en-US" dirty="0" smtClean="0"/>
+          </a:p>
+          <a:p>
+            <a:r>
+              <a:rPr lang="en-US" dirty="0" smtClean="0"/>
+              <a:t>Combine this method with deep learning</a:t>
+            </a:r>
+          </a:p>
+          <a:p>
+            <a:endParaRPr lang="en-US" dirty="0" smtClean="0"/>
+          </a:p>
+          <a:p>
+            <a:endParaRPr lang="en-US" dirty="0" smtClean="0"/>
+          </a:p>
+          <a:p>
+            <a:endParaRPr lang="en-US" dirty="0" smtClean="0"/>
+          </a:p>
+          <a:p>
+            <a:endParaRPr lang="en-US" dirty="0"/>
+          </a:p>
+        </p:txBody>
+      </p:sp>
+    </p:spTree>
+    <p:extLst>
+      <p:ext uri="{BB962C8B-B14F-4D97-AF65-F5344CB8AC3E}">
+        <p14:creationId xmlns="" xmlns:p14="http://schemas.microsoft.com/office/powerpoint/2010/main" val="3336687296"/>
+      </p:ext>
+    </p:extLst>
+  </p:cSld>
+  <p:clrMapOvr>
+    <a:masterClrMapping/>
+  </p:clrMapOvr>
+  <p:transition/>
+  <p:timing>
+    <p:tnLst>
+      <p:par>
+        <p:cTn id="1" dur="indefinite" restart="never" nodeType="tmRoot">
+          <p:childTnLst>
+            <p:seq concurrent="1" nextAc="seek">
+              <p:cTn id="2" dur="indefinite" nodeType="mainSeq">
+                <p:childTnLst>
+                  <p:par>
+                    <p:cTn id="3" fill="hold">
+                      <p:stCondLst>
+                        <p:cond delay="indefinite"/>
+                      </p:stCondLst>
+                      <p:childTnLst>
+                        <p:par>
+                          <p:cTn id="4" fill="hold">
+                            <p:stCondLst>
+                              <p:cond delay="0"/>
+                            </p:stCondLst>
+                            <p:childTnLst>
+                              <p:par>
+                                <p:cTn id="5" presetID="22" presetClass="entr" presetSubtype="4" fill="hold" grpId="0" nodeType="clickEffect">
+                                  <p:stCondLst>
+                                    <p:cond delay="0"/>
+                                  </p:stCondLst>
+                                  <p:childTnLst>
+                                    <p:set>
+                                      <p:cBhvr>
+                                        <p:cTn id="6" dur="1" fill="hold">
+                                          <p:stCondLst>
+                                            <p:cond delay="0"/>
+                                          </p:stCondLst>
+                                        </p:cTn>
+                                        <p:tgtEl>
+                                          <p:spTgt spid="3">
+                                            <p:txEl>
+                                              <p:pRg st="0" end="0"/>
+                                            </p:txEl>
+                                          </p:spTgt>
+                                        </p:tgtEl>
+                                        <p:attrNameLst>
+                                          <p:attrName>style.visibility</p:attrName>
+                                        </p:attrNameLst>
+                                      </p:cBhvr>
+                                      <p:to>
+                                        <p:strVal val="visible"/>
+                                      </p:to>
+                                    </p:set>
+                                    <p:animEffect transition="in" filter="wipe(down)">
+                                      <p:cBhvr>
+                                        <p:cTn id="7" dur="500"/>
+                                        <p:tgtEl>
+                                          <p:spTgt spid="3">
+                                            <p:txEl>
+                                              <p:pRg st="0" end="0"/>
+                                            </p:txEl>
+                                          </p:spTgt>
+                                        </p:tgtEl>
+                                      </p:cBhvr>
+                                    </p:animEffect>
+                                  </p:childTnLst>
+                                </p:cTn>
+                              </p:par>
+                            </p:childTnLst>
+                          </p:cTn>
+                        </p:par>
+                      </p:childTnLst>
+                    </p:cTn>
+                  </p:par>
+                  <p:par>
+                    <p:cTn id="8" fill="hold">
+                      <p:stCondLst>
+                        <p:cond delay="indefinite"/>
+                      </p:stCondLst>
+                      <p:childTnLst>
+                        <p:par>
+                          <p:cTn id="9" fill="hold">
+                            <p:stCondLst>
+                              <p:cond delay="0"/>
+                            </p:stCondLst>
+                            <p:childTnLst>
+                              <p:par>
+                                <p:cTn id="10" presetID="22" presetClass="entr" presetSubtype="4" fill="hold" grpId="0" nodeType="clickEffect">
+                                  <p:stCondLst>
+                                    <p:cond delay="0"/>
+                                  </p:stCondLst>
+                                  <p:childTnLst>
+                                    <p:set>
+                                      <p:cBhvr>
+                                        <p:cTn id="11" dur="1" fill="hold">
+                                          <p:stCondLst>
+                                            <p:cond delay="0"/>
+                                          </p:stCondLst>
+                                        </p:cTn>
+                                        <p:tgtEl>
+                                          <p:spTgt spid="3">
+                                            <p:txEl>
+                                              <p:pRg st="2" end="2"/>
+                                            </p:txEl>
+                                          </p:spTgt>
+                                        </p:tgtEl>
+                                        <p:attrNameLst>
+                                          <p:attrName>style.visibility</p:attrName>
+                                        </p:attrNameLst>
+                                      </p:cBhvr>
+                                      <p:to>
+                                        <p:strVal val="visible"/>
+                                      </p:to>
+                                    </p:set>
+                                    <p:animEffect transition="in" filter="wipe(down)">
+                                      <p:cBhvr>
+                                        <p:cTn id="12" dur="500"/>
+                                        <p:tgtEl>
+                                          <p:spTgt spid="3">
+                                            <p:txEl>
+                                              <p:pRg st="2" end="2"/>
+                                            </p:txEl>
+                                          </p:spTgt>
+                                        </p:tgtEl>
+                                      </p:cBhvr>
+                                    </p:animEffect>
+                                  </p:childTnLst>
+                                </p:cTn>
+                              </p:par>
+                            </p:childTnLst>
+                          </p:cTn>
+                        </p:par>
+                      </p:childTnLst>
+                    </p:cTn>
+                  </p:par>
+                </p:childTnLst>
+              </p:cTn>
+              <p:prevCondLst>
+                <p:cond evt="onPrev" delay="0">
+                  <p:tgtEl>
+                    <p:sldTgt/>
+                  </p:tgtEl>
+                </p:cond>
+              </p:prevCondLst>
+              <p:nextCondLst>
+                <p:cond evt="onNext" delay="0">
+                  <p:tgtEl>
+                    <p:sldTgt/>
+                  </p:tgtEl>
+                </p:cond>
+              </p:nextCondLst>
+            </p:seq>
+          </p:childTnLst>
+        </p:cTn>
+      </p:par>
+    </p:tnLst>
+    <p:bldLst>
+      <p:bldP spid="3" grpId="0" build="p"/>
+    </p:bldLst>
+  </p:timing>
+</p:sld>
+</file>
+
+<file path=ppt/slides/slide13.xml><?xml version="1.0" encoding="utf-8"?>
+<p:sld xmlns:a="http://schemas.openxmlformats.org/drawingml/2006/main" xmlns:r="http://schemas.openxmlformats.org/officeDocument/2006/relationships" xmlns:p="http://schemas.openxmlformats.org/presentationml/2006/main">
+  <p:cSld>
+    <p:spTree>
+      <p:nvGrpSpPr>
+        <p:cNvPr id="1" name=""/>
+        <p:cNvGrpSpPr/>
+        <p:nvPr/>
+      </p:nvGrpSpPr>
+      <p:grpSpPr>
+        <a:xfrm>
+          <a:off x="0" y="0"/>
+          <a:ext cx="0" cy="0"/>
+          <a:chOff x="0" y="0"/>
+          <a:chExt cx="0" cy="0"/>
+        </a:xfrm>
+      </p:grpSpPr>
+      <p:sp>
+        <p:nvSpPr>
+          <p:cNvPr id="2" name="Title 1">
+            <a:extLst>
+              <a:ext uri="{FF2B5EF4-FFF2-40B4-BE49-F238E27FC236}">
+                <a16:creationId xmlns="" xmlns:a16="http://schemas.microsoft.com/office/drawing/2014/main" id="{C1EC354D-BD40-AF45-9424-4889460F4868}"/>
+              </a:ext>
+            </a:extLst>
+          </p:cNvPr>
+          <p:cNvSpPr>
+            <a:spLocks noGrp="1"/>
+          </p:cNvSpPr>
+          <p:nvPr>
+            <p:ph type="title"/>
+          </p:nvPr>
+        </p:nvSpPr>
+        <p:spPr/>
+        <p:txBody>
+          <a:bodyPr/>
+          <a:lstStyle/>
+          <a:p>
+            <a:r>
+              <a:rPr lang="en-US" dirty="0" smtClean="0"/>
+              <a:t>Plan of Further Work</a:t>
+            </a:r>
+            <a:endParaRPr lang="en-US" dirty="0"/>
+          </a:p>
+        </p:txBody>
+      </p:sp>
+      <p:sp>
+        <p:nvSpPr>
+          <p:cNvPr id="3" name="Content Placeholder 2">
+            <a:extLst>
+              <a:ext uri="{FF2B5EF4-FFF2-40B4-BE49-F238E27FC236}">
+                <a16:creationId xmlns="" xmlns:a16="http://schemas.microsoft.com/office/drawing/2014/main" id="{9CEF9568-B20E-2144-B5A8-CE268B55E4C7}"/>
+              </a:ext>
+            </a:extLst>
+          </p:cNvPr>
+          <p:cNvSpPr>
+            <a:spLocks noGrp="1"/>
+          </p:cNvSpPr>
+          <p:nvPr>
+            <p:ph idx="1"/>
+          </p:nvPr>
+        </p:nvSpPr>
+        <p:spPr/>
+        <p:txBody>
+          <a:bodyPr>
+            <a:normAutofit/>
+          </a:bodyPr>
+          <a:lstStyle/>
+          <a:p>
+            <a:r>
+              <a:rPr lang="en-US" dirty="0" smtClean="0"/>
+              <a:t>Why the performance line raises abruptly</a:t>
+            </a:r>
+          </a:p>
+          <a:p>
+            <a:endParaRPr lang="en-US" dirty="0" smtClean="0"/>
+          </a:p>
+          <a:p>
+            <a:r>
+              <a:rPr lang="en-US" dirty="0" smtClean="0"/>
+              <a:t>How to implement our idea in more general model</a:t>
+            </a:r>
+          </a:p>
+          <a:p>
+            <a:endParaRPr lang="en-US" dirty="0" smtClean="0"/>
+          </a:p>
+          <a:p>
+            <a:r>
+              <a:rPr lang="en-US" dirty="0" smtClean="0"/>
+              <a:t>Is the ideas useful for DQN</a:t>
+            </a:r>
+          </a:p>
+          <a:p>
+            <a:endParaRPr lang="en-US" dirty="0"/>
+          </a:p>
+        </p:txBody>
+      </p:sp>
+    </p:spTree>
+    <p:extLst>
+      <p:ext uri="{BB962C8B-B14F-4D97-AF65-F5344CB8AC3E}">
+        <p14:creationId xmlns="" xmlns:p14="http://schemas.microsoft.com/office/powerpoint/2010/main" val="3336687296"/>
+      </p:ext>
+    </p:extLst>
+  </p:cSld>
+  <p:clrMapOvr>
+    <a:masterClrMapping/>
+  </p:clrMapOvr>
+  <p:transition/>
+  <p:timing>
+    <p:tnLst>
+      <p:par>
+        <p:cTn id="1" dur="indefinite" restart="never" nodeType="tmRoot">
+          <p:childTnLst>
+            <p:seq concurrent="1" nextAc="seek">
+              <p:cTn id="2" dur="indefinite" nodeType="mainSeq">
+                <p:childTnLst>
+                  <p:par>
+                    <p:cTn id="3" fill="hold">
+                      <p:stCondLst>
+                        <p:cond delay="indefinite"/>
+                      </p:stCondLst>
+                      <p:childTnLst>
+                        <p:par>
+                          <p:cTn id="4" fill="hold">
+                            <p:stCondLst>
+                              <p:cond delay="0"/>
+                            </p:stCondLst>
+                            <p:childTnLst>
+                              <p:par>
+                                <p:cTn id="5" presetID="22" presetClass="entr" presetSubtype="4" fill="hold" grpId="0" nodeType="clickEffect">
+                                  <p:stCondLst>
+                                    <p:cond delay="0"/>
+                                  </p:stCondLst>
+                                  <p:childTnLst>
+                                    <p:set>
+                                      <p:cBhvr>
+                                        <p:cTn id="6" dur="1" fill="hold">
+                                          <p:stCondLst>
+                                            <p:cond delay="0"/>
+                                          </p:stCondLst>
+                                        </p:cTn>
+                                        <p:tgtEl>
+                                          <p:spTgt spid="3">
+                                            <p:txEl>
+                                              <p:pRg st="0" end="0"/>
+                                            </p:txEl>
+                                          </p:spTgt>
+                                        </p:tgtEl>
+                                        <p:attrNameLst>
+                                          <p:attrName>style.visibility</p:attrName>
+                                        </p:attrNameLst>
+                                      </p:cBhvr>
+                                      <p:to>
+                                        <p:strVal val="visible"/>
+                                      </p:to>
+                                    </p:set>
+                                    <p:animEffect transition="in" filter="wipe(down)">
+                                      <p:cBhvr>
+                                        <p:cTn id="7" dur="500"/>
+                                        <p:tgtEl>
+                                          <p:spTgt spid="3">
+                                            <p:txEl>
+                                              <p:pRg st="0" end="0"/>
+                                            </p:txEl>
+                                          </p:spTgt>
+                                        </p:tgtEl>
+                                      </p:cBhvr>
+                                    </p:animEffect>
+                                  </p:childTnLst>
+                                </p:cTn>
+                              </p:par>
+                            </p:childTnLst>
+                          </p:cTn>
+                        </p:par>
+                      </p:childTnLst>
+                    </p:cTn>
+                  </p:par>
+                  <p:par>
+                    <p:cTn id="8" fill="hold">
+                      <p:stCondLst>
+                        <p:cond delay="indefinite"/>
+                      </p:stCondLst>
+                      <p:childTnLst>
+                        <p:par>
+                          <p:cTn id="9" fill="hold">
+                            <p:stCondLst>
+                              <p:cond delay="0"/>
+                            </p:stCondLst>
+                            <p:childTnLst>
+                              <p:par>
+                                <p:cTn id="10" presetID="22" presetClass="entr" presetSubtype="4" fill="hold" grpId="0" nodeType="clickEffect">
+                                  <p:stCondLst>
+                                    <p:cond delay="0"/>
+                                  </p:stCondLst>
+                                  <p:childTnLst>
+                                    <p:set>
+                                      <p:cBhvr>
+                                        <p:cTn id="11" dur="1" fill="hold">
+                                          <p:stCondLst>
+                                            <p:cond delay="0"/>
+                                          </p:stCondLst>
+                                        </p:cTn>
+                                        <p:tgtEl>
+                                          <p:spTgt spid="3">
+                                            <p:txEl>
+                                              <p:pRg st="2" end="2"/>
+                                            </p:txEl>
+                                          </p:spTgt>
+                                        </p:tgtEl>
+                                        <p:attrNameLst>
+                                          <p:attrName>style.visibility</p:attrName>
+                                        </p:attrNameLst>
+                                      </p:cBhvr>
+                                      <p:to>
+                                        <p:strVal val="visible"/>
+                                      </p:to>
+                                    </p:set>
+                                    <p:animEffect transition="in" filter="wipe(down)">
+                                      <p:cBhvr>
+                                        <p:cTn id="12" dur="500"/>
+                                        <p:tgtEl>
+                                          <p:spTgt spid="3">
+                                            <p:txEl>
+                                              <p:pRg st="2" end="2"/>
+                                            </p:txEl>
+                                          </p:spTgt>
+                                        </p:tgtEl>
+                                      </p:cBhvr>
+                                    </p:animEffect>
+                                  </p:childTnLst>
+                                </p:cTn>
+                              </p:par>
+                            </p:childTnLst>
+                          </p:cTn>
+                        </p:par>
+                      </p:childTnLst>
+                    </p:cTn>
+                  </p:par>
+                  <p:par>
+                    <p:cTn id="13" fill="hold">
+                      <p:stCondLst>
+                        <p:cond delay="indefinite"/>
+                      </p:stCondLst>
+                      <p:childTnLst>
+                        <p:par>
+                          <p:cTn id="14" fill="hold">
+                            <p:stCondLst>
+                              <p:cond delay="0"/>
+                            </p:stCondLst>
+                            <p:childTnLst>
+                              <p:par>
+                                <p:cTn id="15" presetID="22" presetClass="entr" presetSubtype="4" fill="hold" grpId="0" nodeType="clickEffect">
+                                  <p:stCondLst>
+                                    <p:cond delay="0"/>
+                                  </p:stCondLst>
+                                  <p:childTnLst>
+                                    <p:set>
+                                      <p:cBhvr>
+                                        <p:cTn id="16" dur="1" fill="hold">
+                                          <p:stCondLst>
+                                            <p:cond delay="0"/>
+                                          </p:stCondLst>
+                                        </p:cTn>
+                                        <p:tgtEl>
+                                          <p:spTgt spid="3">
+                                            <p:txEl>
+                                              <p:pRg st="4" end="4"/>
+                                            </p:txEl>
+                                          </p:spTgt>
+                                        </p:tgtEl>
+                                        <p:attrNameLst>
+                                          <p:attrName>style.visibility</p:attrName>
+                                        </p:attrNameLst>
+                                      </p:cBhvr>
+                                      <p:to>
+                                        <p:strVal val="visible"/>
+                                      </p:to>
+                                    </p:set>
+                                    <p:animEffect transition="in" filter="wipe(down)">
+                                      <p:cBhvr>
+                                        <p:cTn id="17" dur="500"/>
+                                        <p:tgtEl>
+                                          <p:spTgt spid="3">
+                                            <p:txEl>
+                                              <p:pRg st="4" end="4"/>
+                                            </p:txEl>
+                                          </p:spTgt>
+                                        </p:tgtEl>
+                                      </p:cBhvr>
+                                    </p:animEffect>
+                                  </p:childTnLst>
+                                </p:cTn>
+                              </p:par>
+                            </p:childTnLst>
+                          </p:cTn>
+                        </p:par>
+                      </p:childTnLst>
+                    </p:cTn>
+                  </p:par>
+                </p:childTnLst>
+              </p:cTn>
+              <p:prevCondLst>
+                <p:cond evt="onPrev" delay="0">
+                  <p:tgtEl>
+                    <p:sldTgt/>
+                  </p:tgtEl>
+                </p:cond>
+              </p:prevCondLst>
+              <p:nextCondLst>
+                <p:cond evt="onNext" delay="0">
+                  <p:tgtEl>
+                    <p:sldTgt/>
+                  </p:tgtEl>
+                </p:cond>
+              </p:nextCondLst>
+            </p:seq>
+          </p:childTnLst>
+        </p:cTn>
+      </p:par>
+    </p:tnLst>
+    <p:bldLst>
+      <p:bldP spid="3" grpId="0" build="p"/>
+    </p:bldLst>
+  </p:timing>
+</p:sld>
+</file>
+
+<file path=ppt/slides/slide14.xml><?xml version="1.0" encoding="utf-8"?>
+<p:sld xmlns:a="http://schemas.openxmlformats.org/drawingml/2006/main" xmlns:r="http://schemas.openxmlformats.org/officeDocument/2006/relationships" xmlns:p="http://schemas.openxmlformats.org/presentationml/2006/main">
+  <p:cSld>
+    <p:spTree>
+      <p:nvGrpSpPr>
+        <p:cNvPr id="1" name=""/>
+        <p:cNvGrpSpPr/>
+        <p:nvPr/>
+      </p:nvGrpSpPr>
+      <p:grpSpPr>
+        <a:xfrm>
+          <a:off x="0" y="0"/>
+          <a:ext cx="0" cy="0"/>
+          <a:chOff x="0" y="0"/>
+          <a:chExt cx="0" cy="0"/>
+        </a:xfrm>
+      </p:grpSpPr>
+      <p:sp>
+        <p:nvSpPr>
+          <p:cNvPr id="2" name="Title 1">
+            <a:extLst>
+              <a:ext uri="{FF2B5EF4-FFF2-40B4-BE49-F238E27FC236}">
+                <a16:creationId xmlns="" xmlns:a16="http://schemas.microsoft.com/office/drawing/2014/main" id="{BD3A1872-004E-374B-A262-3AFA2206E2A1}"/>
+              </a:ext>
+            </a:extLst>
+          </p:cNvPr>
+          <p:cNvSpPr>
+            <a:spLocks noGrp="1"/>
+          </p:cNvSpPr>
+          <p:nvPr>
+            <p:ph type="ctrTitle"/>
+          </p:nvPr>
+        </p:nvSpPr>
+        <p:spPr/>
+        <p:txBody>
+          <a:bodyPr/>
+          <a:lstStyle/>
+          <a:p>
+            <a:r>
+              <a:rPr lang="en-US" dirty="0" smtClean="0"/>
+              <a:t>Thanks</a:t>
+            </a:r>
+            <a:endParaRPr lang="en-US" dirty="0"/>
+          </a:p>
+        </p:txBody>
+      </p:sp>
+      <p:sp>
+        <p:nvSpPr>
+          <p:cNvPr id="3" name="Subtitle 2">
+            <a:extLst>
+              <a:ext uri="{FF2B5EF4-FFF2-40B4-BE49-F238E27FC236}">
+                <a16:creationId xmlns="" xmlns:a16="http://schemas.microsoft.com/office/drawing/2014/main" id="{BA223FEA-8CE1-BD4A-8D7F-6A48438620A0}"/>
+              </a:ext>
+            </a:extLst>
+          </p:cNvPr>
+          <p:cNvSpPr>
+            <a:spLocks noGrp="1"/>
+          </p:cNvSpPr>
+          <p:nvPr>
+            <p:ph type="subTitle" idx="1"/>
+          </p:nvPr>
+        </p:nvSpPr>
+        <p:spPr/>
+        <p:txBody>
+          <a:bodyPr/>
+          <a:lstStyle/>
+          <a:p>
+            <a:endParaRPr lang="en-US" dirty="0"/>
+          </a:p>
+        </p:txBody>
+      </p:sp>
+    </p:spTree>
+    <p:extLst>
+      <p:ext uri="{BB962C8B-B14F-4D97-AF65-F5344CB8AC3E}">
+        <p14:creationId xmlns="" xmlns:p14="http://schemas.microsoft.com/office/powerpoint/2010/main" val="2003928709"/>
+      </p:ext>
+    </p:extLst>
+  </p:cSld>
+  <p:clrMapOvr>
+    <a:masterClrMapping/>
+  </p:clrMapOvr>
+  <p:transition/>
+  <p:timing>
+    <p:tnLst>
+      <p:par>
+        <p:cTn id="1" dur="indefinite" restart="never" nodeType="tmRoot"/>
+      </p:par>
+    </p:tnLst>
+  </p:timing>
 </p:sld>
 </file>
 
@@ -3438,7 +4759,7 @@
           <p:cNvPr id="2" name="Title 1">
             <a:extLst>
               <a:ext uri="{FF2B5EF4-FFF2-40B4-BE49-F238E27FC236}">
-                <a16:creationId xmlns:a16="http://schemas.microsoft.com/office/drawing/2014/main" id="{8655F664-C8A4-A94A-8414-B4813E44B3A4}"/>
+                <a16:creationId xmlns="" xmlns:a16="http://schemas.microsoft.com/office/drawing/2014/main" id="{8655F664-C8A4-A94A-8414-B4813E44B3A4}"/>
               </a:ext>
             </a:extLst>
           </p:cNvPr>
@@ -3466,7 +4787,7 @@
           <p:cNvPr id="5" name="Picture 4">
             <a:extLst>
               <a:ext uri="{FF2B5EF4-FFF2-40B4-BE49-F238E27FC236}">
-                <a16:creationId xmlns:a16="http://schemas.microsoft.com/office/drawing/2014/main" id="{C3B3092F-120F-0746-A225-0BD5C17527A2}"/>
+                <a16:creationId xmlns="" xmlns:a16="http://schemas.microsoft.com/office/drawing/2014/main" id="{C3B3092F-120F-0746-A225-0BD5C17527A2}"/>
               </a:ext>
             </a:extLst>
           </p:cNvPr>
@@ -3496,7 +4817,7 @@
           <p:cNvPr id="6" name="TextBox 5">
             <a:extLst>
               <a:ext uri="{FF2B5EF4-FFF2-40B4-BE49-F238E27FC236}">
-                <a16:creationId xmlns:a16="http://schemas.microsoft.com/office/drawing/2014/main" id="{32ACFA22-B03D-0A44-83FE-B021E21E8CEC}"/>
+                <a16:creationId xmlns="" xmlns:a16="http://schemas.microsoft.com/office/drawing/2014/main" id="{32ACFA22-B03D-0A44-83FE-B021E21E8CEC}"/>
               </a:ext>
             </a:extLst>
           </p:cNvPr>
@@ -3570,13 +4891,413 @@
     </p:spTree>
     <p:extLst>
       <p:ext uri="{BB962C8B-B14F-4D97-AF65-F5344CB8AC3E}">
-        <p14:creationId xmlns:p14="http://schemas.microsoft.com/office/powerpoint/2010/main" val="1004612863"/>
+        <p14:creationId xmlns="" xmlns:p14="http://schemas.microsoft.com/office/powerpoint/2010/main" val="1004612863"/>
       </p:ext>
     </p:extLst>
   </p:cSld>
   <p:clrMapOvr>
     <a:masterClrMapping/>
   </p:clrMapOvr>
+  <p:transition/>
+  <p:timing>
+    <p:tnLst>
+      <p:par>
+        <p:cTn id="1" dur="indefinite" restart="never" nodeType="tmRoot">
+          <p:childTnLst>
+            <p:seq concurrent="1" nextAc="seek">
+              <p:cTn id="2" dur="indefinite" nodeType="mainSeq">
+                <p:childTnLst>
+                  <p:par>
+                    <p:cTn id="3" fill="hold">
+                      <p:stCondLst>
+                        <p:cond delay="indefinite"/>
+                      </p:stCondLst>
+                      <p:childTnLst>
+                        <p:par>
+                          <p:cTn id="4" fill="hold">
+                            <p:stCondLst>
+                              <p:cond delay="0"/>
+                            </p:stCondLst>
+                            <p:childTnLst>
+                              <p:par>
+                                <p:cTn id="5" presetID="22" presetClass="entr" presetSubtype="4" fill="hold" grpId="0" nodeType="clickEffect">
+                                  <p:stCondLst>
+                                    <p:cond delay="0"/>
+                                  </p:stCondLst>
+                                  <p:childTnLst>
+                                    <p:set>
+                                      <p:cBhvr>
+                                        <p:cTn id="6" dur="1" fill="hold">
+                                          <p:stCondLst>
+                                            <p:cond delay="0"/>
+                                          </p:stCondLst>
+                                        </p:cTn>
+                                        <p:tgtEl>
+                                          <p:spTgt spid="6">
+                                            <p:txEl>
+                                              <p:pRg st="0" end="0"/>
+                                            </p:txEl>
+                                          </p:spTgt>
+                                        </p:tgtEl>
+                                        <p:attrNameLst>
+                                          <p:attrName>style.visibility</p:attrName>
+                                        </p:attrNameLst>
+                                      </p:cBhvr>
+                                      <p:to>
+                                        <p:strVal val="visible"/>
+                                      </p:to>
+                                    </p:set>
+                                    <p:animEffect transition="in" filter="wipe(down)">
+                                      <p:cBhvr>
+                                        <p:cTn id="7" dur="500"/>
+                                        <p:tgtEl>
+                                          <p:spTgt spid="6">
+                                            <p:txEl>
+                                              <p:pRg st="0" end="0"/>
+                                            </p:txEl>
+                                          </p:spTgt>
+                                        </p:tgtEl>
+                                      </p:cBhvr>
+                                    </p:animEffect>
+                                  </p:childTnLst>
+                                </p:cTn>
+                              </p:par>
+                            </p:childTnLst>
+                          </p:cTn>
+                        </p:par>
+                      </p:childTnLst>
+                    </p:cTn>
+                  </p:par>
+                  <p:par>
+                    <p:cTn id="8" fill="hold">
+                      <p:stCondLst>
+                        <p:cond delay="indefinite"/>
+                      </p:stCondLst>
+                      <p:childTnLst>
+                        <p:par>
+                          <p:cTn id="9" fill="hold">
+                            <p:stCondLst>
+                              <p:cond delay="0"/>
+                            </p:stCondLst>
+                            <p:childTnLst>
+                              <p:par>
+                                <p:cTn id="10" presetID="22" presetClass="entr" presetSubtype="4" fill="hold" grpId="0" nodeType="clickEffect">
+                                  <p:stCondLst>
+                                    <p:cond delay="0"/>
+                                  </p:stCondLst>
+                                  <p:childTnLst>
+                                    <p:set>
+                                      <p:cBhvr>
+                                        <p:cTn id="11" dur="1" fill="hold">
+                                          <p:stCondLst>
+                                            <p:cond delay="0"/>
+                                          </p:stCondLst>
+                                        </p:cTn>
+                                        <p:tgtEl>
+                                          <p:spTgt spid="6">
+                                            <p:txEl>
+                                              <p:pRg st="1" end="1"/>
+                                            </p:txEl>
+                                          </p:spTgt>
+                                        </p:tgtEl>
+                                        <p:attrNameLst>
+                                          <p:attrName>style.visibility</p:attrName>
+                                        </p:attrNameLst>
+                                      </p:cBhvr>
+                                      <p:to>
+                                        <p:strVal val="visible"/>
+                                      </p:to>
+                                    </p:set>
+                                    <p:animEffect transition="in" filter="wipe(down)">
+                                      <p:cBhvr>
+                                        <p:cTn id="12" dur="500"/>
+                                        <p:tgtEl>
+                                          <p:spTgt spid="6">
+                                            <p:txEl>
+                                              <p:pRg st="1" end="1"/>
+                                            </p:txEl>
+                                          </p:spTgt>
+                                        </p:tgtEl>
+                                      </p:cBhvr>
+                                    </p:animEffect>
+                                  </p:childTnLst>
+                                </p:cTn>
+                              </p:par>
+                            </p:childTnLst>
+                          </p:cTn>
+                        </p:par>
+                      </p:childTnLst>
+                    </p:cTn>
+                  </p:par>
+                  <p:par>
+                    <p:cTn id="13" fill="hold">
+                      <p:stCondLst>
+                        <p:cond delay="indefinite"/>
+                      </p:stCondLst>
+                      <p:childTnLst>
+                        <p:par>
+                          <p:cTn id="14" fill="hold">
+                            <p:stCondLst>
+                              <p:cond delay="0"/>
+                            </p:stCondLst>
+                            <p:childTnLst>
+                              <p:par>
+                                <p:cTn id="15" presetID="22" presetClass="entr" presetSubtype="4" fill="hold" grpId="0" nodeType="clickEffect">
+                                  <p:stCondLst>
+                                    <p:cond delay="0"/>
+                                  </p:stCondLst>
+                                  <p:childTnLst>
+                                    <p:set>
+                                      <p:cBhvr>
+                                        <p:cTn id="16" dur="1" fill="hold">
+                                          <p:stCondLst>
+                                            <p:cond delay="0"/>
+                                          </p:stCondLst>
+                                        </p:cTn>
+                                        <p:tgtEl>
+                                          <p:spTgt spid="6">
+                                            <p:txEl>
+                                              <p:pRg st="2" end="2"/>
+                                            </p:txEl>
+                                          </p:spTgt>
+                                        </p:tgtEl>
+                                        <p:attrNameLst>
+                                          <p:attrName>style.visibility</p:attrName>
+                                        </p:attrNameLst>
+                                      </p:cBhvr>
+                                      <p:to>
+                                        <p:strVal val="visible"/>
+                                      </p:to>
+                                    </p:set>
+                                    <p:animEffect transition="in" filter="wipe(down)">
+                                      <p:cBhvr>
+                                        <p:cTn id="17" dur="500"/>
+                                        <p:tgtEl>
+                                          <p:spTgt spid="6">
+                                            <p:txEl>
+                                              <p:pRg st="2" end="2"/>
+                                            </p:txEl>
+                                          </p:spTgt>
+                                        </p:tgtEl>
+                                      </p:cBhvr>
+                                    </p:animEffect>
+                                  </p:childTnLst>
+                                </p:cTn>
+                              </p:par>
+                            </p:childTnLst>
+                          </p:cTn>
+                        </p:par>
+                      </p:childTnLst>
+                    </p:cTn>
+                  </p:par>
+                  <p:par>
+                    <p:cTn id="18" fill="hold">
+                      <p:stCondLst>
+                        <p:cond delay="indefinite"/>
+                      </p:stCondLst>
+                      <p:childTnLst>
+                        <p:par>
+                          <p:cTn id="19" fill="hold">
+                            <p:stCondLst>
+                              <p:cond delay="0"/>
+                            </p:stCondLst>
+                            <p:childTnLst>
+                              <p:par>
+                                <p:cTn id="20" presetID="22" presetClass="entr" presetSubtype="4" fill="hold" grpId="0" nodeType="clickEffect">
+                                  <p:stCondLst>
+                                    <p:cond delay="0"/>
+                                  </p:stCondLst>
+                                  <p:childTnLst>
+                                    <p:set>
+                                      <p:cBhvr>
+                                        <p:cTn id="21" dur="1" fill="hold">
+                                          <p:stCondLst>
+                                            <p:cond delay="0"/>
+                                          </p:stCondLst>
+                                        </p:cTn>
+                                        <p:tgtEl>
+                                          <p:spTgt spid="6">
+                                            <p:txEl>
+                                              <p:pRg st="4" end="4"/>
+                                            </p:txEl>
+                                          </p:spTgt>
+                                        </p:tgtEl>
+                                        <p:attrNameLst>
+                                          <p:attrName>style.visibility</p:attrName>
+                                        </p:attrNameLst>
+                                      </p:cBhvr>
+                                      <p:to>
+                                        <p:strVal val="visible"/>
+                                      </p:to>
+                                    </p:set>
+                                    <p:animEffect transition="in" filter="wipe(down)">
+                                      <p:cBhvr>
+                                        <p:cTn id="22" dur="500"/>
+                                        <p:tgtEl>
+                                          <p:spTgt spid="6">
+                                            <p:txEl>
+                                              <p:pRg st="4" end="4"/>
+                                            </p:txEl>
+                                          </p:spTgt>
+                                        </p:tgtEl>
+                                      </p:cBhvr>
+                                    </p:animEffect>
+                                  </p:childTnLst>
+                                </p:cTn>
+                              </p:par>
+                            </p:childTnLst>
+                          </p:cTn>
+                        </p:par>
+                      </p:childTnLst>
+                    </p:cTn>
+                  </p:par>
+                  <p:par>
+                    <p:cTn id="23" fill="hold">
+                      <p:stCondLst>
+                        <p:cond delay="indefinite"/>
+                      </p:stCondLst>
+                      <p:childTnLst>
+                        <p:par>
+                          <p:cTn id="24" fill="hold">
+                            <p:stCondLst>
+                              <p:cond delay="0"/>
+                            </p:stCondLst>
+                            <p:childTnLst>
+                              <p:par>
+                                <p:cTn id="25" presetID="22" presetClass="entr" presetSubtype="4" fill="hold" grpId="0" nodeType="clickEffect">
+                                  <p:stCondLst>
+                                    <p:cond delay="0"/>
+                                  </p:stCondLst>
+                                  <p:childTnLst>
+                                    <p:set>
+                                      <p:cBhvr>
+                                        <p:cTn id="26" dur="1" fill="hold">
+                                          <p:stCondLst>
+                                            <p:cond delay="0"/>
+                                          </p:stCondLst>
+                                        </p:cTn>
+                                        <p:tgtEl>
+                                          <p:spTgt spid="6">
+                                            <p:txEl>
+                                              <p:pRg st="5" end="5"/>
+                                            </p:txEl>
+                                          </p:spTgt>
+                                        </p:tgtEl>
+                                        <p:attrNameLst>
+                                          <p:attrName>style.visibility</p:attrName>
+                                        </p:attrNameLst>
+                                      </p:cBhvr>
+                                      <p:to>
+                                        <p:strVal val="visible"/>
+                                      </p:to>
+                                    </p:set>
+                                    <p:animEffect transition="in" filter="wipe(down)">
+                                      <p:cBhvr>
+                                        <p:cTn id="27" dur="500"/>
+                                        <p:tgtEl>
+                                          <p:spTgt spid="6">
+                                            <p:txEl>
+                                              <p:pRg st="5" end="5"/>
+                                            </p:txEl>
+                                          </p:spTgt>
+                                        </p:tgtEl>
+                                      </p:cBhvr>
+                                    </p:animEffect>
+                                  </p:childTnLst>
+                                </p:cTn>
+                              </p:par>
+                            </p:childTnLst>
+                          </p:cTn>
+                        </p:par>
+                      </p:childTnLst>
+                    </p:cTn>
+                  </p:par>
+                  <p:par>
+                    <p:cTn id="28" fill="hold">
+                      <p:stCondLst>
+                        <p:cond delay="indefinite"/>
+                      </p:stCondLst>
+                      <p:childTnLst>
+                        <p:par>
+                          <p:cTn id="29" fill="hold">
+                            <p:stCondLst>
+                              <p:cond delay="0"/>
+                            </p:stCondLst>
+                            <p:childTnLst>
+                              <p:par>
+                                <p:cTn id="30" presetID="22" presetClass="entr" presetSubtype="4" fill="hold" grpId="0" nodeType="clickEffect">
+                                  <p:stCondLst>
+                                    <p:cond delay="0"/>
+                                  </p:stCondLst>
+                                  <p:childTnLst>
+                                    <p:set>
+                                      <p:cBhvr>
+                                        <p:cTn id="31" dur="1" fill="hold">
+                                          <p:stCondLst>
+                                            <p:cond delay="0"/>
+                                          </p:stCondLst>
+                                        </p:cTn>
+                                        <p:tgtEl>
+                                          <p:spTgt spid="6">
+                                            <p:txEl>
+                                              <p:pRg st="6" end="6"/>
+                                            </p:txEl>
+                                          </p:spTgt>
+                                        </p:tgtEl>
+                                        <p:attrNameLst>
+                                          <p:attrName>style.visibility</p:attrName>
+                                        </p:attrNameLst>
+                                      </p:cBhvr>
+                                      <p:to>
+                                        <p:strVal val="visible"/>
+                                      </p:to>
+                                    </p:set>
+                                    <p:animEffect transition="in" filter="wipe(down)">
+                                      <p:cBhvr>
+                                        <p:cTn id="32" dur="500"/>
+                                        <p:tgtEl>
+                                          <p:spTgt spid="6">
+                                            <p:txEl>
+                                              <p:pRg st="6" end="6"/>
+                                            </p:txEl>
+                                          </p:spTgt>
+                                        </p:tgtEl>
+                                      </p:cBhvr>
+                                    </p:animEffect>
+                                  </p:childTnLst>
+                                </p:cTn>
+                              </p:par>
+                            </p:childTnLst>
+                          </p:cTn>
+                        </p:par>
+                      </p:childTnLst>
+                    </p:cTn>
+                  </p:par>
+                </p:childTnLst>
+              </p:cTn>
+              <p:prevCondLst>
+                <p:cond evt="onPrev" delay="0">
+                  <p:tgtEl>
+                    <p:sldTgt/>
+                  </p:tgtEl>
+                </p:cond>
+              </p:prevCondLst>
+              <p:nextCondLst>
+                <p:cond evt="onNext" delay="0">
+                  <p:tgtEl>
+                    <p:sldTgt/>
+                  </p:tgtEl>
+                </p:cond>
+              </p:nextCondLst>
+            </p:seq>
+          </p:childTnLst>
+        </p:cTn>
+      </p:par>
+    </p:tnLst>
+    <p:bldLst>
+      <p:bldP spid="6" grpId="0" build="p"/>
+    </p:bldLst>
+  </p:timing>
 </p:sld>
 </file>
 
@@ -3602,7 +5323,7 @@
           <p:cNvPr id="2" name="Title 1">
             <a:extLst>
               <a:ext uri="{FF2B5EF4-FFF2-40B4-BE49-F238E27FC236}">
-                <a16:creationId xmlns:a16="http://schemas.microsoft.com/office/drawing/2014/main" id="{BE615D40-29EC-CF40-814E-3E96310E9044}"/>
+                <a16:creationId xmlns="" xmlns:a16="http://schemas.microsoft.com/office/drawing/2014/main" id="{BE615D40-29EC-CF40-814E-3E96310E9044}"/>
               </a:ext>
             </a:extLst>
           </p:cNvPr>
@@ -3630,7 +5351,7 @@
           <p:cNvPr id="7" name="Picture 6">
             <a:extLst>
               <a:ext uri="{FF2B5EF4-FFF2-40B4-BE49-F238E27FC236}">
-                <a16:creationId xmlns:a16="http://schemas.microsoft.com/office/drawing/2014/main" id="{00AA2C69-4633-5B49-B0E4-16E4D15F16BF}"/>
+                <a16:creationId xmlns="" xmlns:a16="http://schemas.microsoft.com/office/drawing/2014/main" id="{00AA2C69-4633-5B49-B0E4-16E4D15F16BF}"/>
               </a:ext>
             </a:extLst>
           </p:cNvPr>
@@ -3660,7 +5381,7 @@
           <p:cNvPr id="8" name="TextBox 7">
             <a:extLst>
               <a:ext uri="{FF2B5EF4-FFF2-40B4-BE49-F238E27FC236}">
-                <a16:creationId xmlns:a16="http://schemas.microsoft.com/office/drawing/2014/main" id="{180E6D49-1069-3040-A49F-53DCB4F01D50}"/>
+                <a16:creationId xmlns="" xmlns:a16="http://schemas.microsoft.com/office/drawing/2014/main" id="{180E6D49-1069-3040-A49F-53DCB4F01D50}"/>
               </a:ext>
             </a:extLst>
           </p:cNvPr>
@@ -3713,13 +5434,230 @@
     </p:spTree>
     <p:extLst>
       <p:ext uri="{BB962C8B-B14F-4D97-AF65-F5344CB8AC3E}">
-        <p14:creationId xmlns:p14="http://schemas.microsoft.com/office/powerpoint/2010/main" val="1547363095"/>
+        <p14:creationId xmlns="" xmlns:p14="http://schemas.microsoft.com/office/powerpoint/2010/main" val="1547363095"/>
       </p:ext>
     </p:extLst>
   </p:cSld>
   <p:clrMapOvr>
     <a:masterClrMapping/>
   </p:clrMapOvr>
+  <p:transition/>
+  <p:timing>
+    <p:tnLst>
+      <p:par>
+        <p:cTn id="1" dur="indefinite" restart="never" nodeType="tmRoot">
+          <p:childTnLst>
+            <p:seq concurrent="1" nextAc="seek">
+              <p:cTn id="2" dur="indefinite" nodeType="mainSeq">
+                <p:childTnLst>
+                  <p:par>
+                    <p:cTn id="3" fill="hold">
+                      <p:stCondLst>
+                        <p:cond delay="indefinite"/>
+                      </p:stCondLst>
+                      <p:childTnLst>
+                        <p:par>
+                          <p:cTn id="4" fill="hold">
+                            <p:stCondLst>
+                              <p:cond delay="0"/>
+                            </p:stCondLst>
+                            <p:childTnLst>
+                              <p:par>
+                                <p:cTn id="5" presetID="22" presetClass="entr" presetSubtype="4" fill="hold" grpId="0" nodeType="clickEffect">
+                                  <p:stCondLst>
+                                    <p:cond delay="0"/>
+                                  </p:stCondLst>
+                                  <p:childTnLst>
+                                    <p:set>
+                                      <p:cBhvr>
+                                        <p:cTn id="6" dur="1" fill="hold">
+                                          <p:stCondLst>
+                                            <p:cond delay="0"/>
+                                          </p:stCondLst>
+                                        </p:cTn>
+                                        <p:tgtEl>
+                                          <p:spTgt spid="8">
+                                            <p:txEl>
+                                              <p:pRg st="0" end="0"/>
+                                            </p:txEl>
+                                          </p:spTgt>
+                                        </p:tgtEl>
+                                        <p:attrNameLst>
+                                          <p:attrName>style.visibility</p:attrName>
+                                        </p:attrNameLst>
+                                      </p:cBhvr>
+                                      <p:to>
+                                        <p:strVal val="visible"/>
+                                      </p:to>
+                                    </p:set>
+                                    <p:animEffect transition="in" filter="wipe(down)">
+                                      <p:cBhvr>
+                                        <p:cTn id="7" dur="500"/>
+                                        <p:tgtEl>
+                                          <p:spTgt spid="8">
+                                            <p:txEl>
+                                              <p:pRg st="0" end="0"/>
+                                            </p:txEl>
+                                          </p:spTgt>
+                                        </p:tgtEl>
+                                      </p:cBhvr>
+                                    </p:animEffect>
+                                  </p:childTnLst>
+                                </p:cTn>
+                              </p:par>
+                            </p:childTnLst>
+                          </p:cTn>
+                        </p:par>
+                      </p:childTnLst>
+                    </p:cTn>
+                  </p:par>
+                  <p:par>
+                    <p:cTn id="8" fill="hold">
+                      <p:stCondLst>
+                        <p:cond delay="indefinite"/>
+                      </p:stCondLst>
+                      <p:childTnLst>
+                        <p:par>
+                          <p:cTn id="9" fill="hold">
+                            <p:stCondLst>
+                              <p:cond delay="0"/>
+                            </p:stCondLst>
+                            <p:childTnLst>
+                              <p:par>
+                                <p:cTn id="10" presetID="22" presetClass="entr" presetSubtype="4" fill="hold" grpId="0" nodeType="clickEffect">
+                                  <p:stCondLst>
+                                    <p:cond delay="0"/>
+                                  </p:stCondLst>
+                                  <p:childTnLst>
+                                    <p:set>
+                                      <p:cBhvr>
+                                        <p:cTn id="11" dur="1" fill="hold">
+                                          <p:stCondLst>
+                                            <p:cond delay="0"/>
+                                          </p:stCondLst>
+                                        </p:cTn>
+                                        <p:tgtEl>
+                                          <p:spTgt spid="8">
+                                            <p:txEl>
+                                              <p:pRg st="1" end="1"/>
+                                            </p:txEl>
+                                          </p:spTgt>
+                                        </p:tgtEl>
+                                        <p:attrNameLst>
+                                          <p:attrName>style.visibility</p:attrName>
+                                        </p:attrNameLst>
+                                      </p:cBhvr>
+                                      <p:to>
+                                        <p:strVal val="visible"/>
+                                      </p:to>
+                                    </p:set>
+                                    <p:animEffect transition="in" filter="wipe(down)">
+                                      <p:cBhvr>
+                                        <p:cTn id="12" dur="500"/>
+                                        <p:tgtEl>
+                                          <p:spTgt spid="8">
+                                            <p:txEl>
+                                              <p:pRg st="1" end="1"/>
+                                            </p:txEl>
+                                          </p:spTgt>
+                                        </p:tgtEl>
+                                      </p:cBhvr>
+                                    </p:animEffect>
+                                  </p:childTnLst>
+                                </p:cTn>
+                              </p:par>
+                            </p:childTnLst>
+                          </p:cTn>
+                        </p:par>
+                      </p:childTnLst>
+                    </p:cTn>
+                  </p:par>
+                  <p:par>
+                    <p:cTn id="13" fill="hold">
+                      <p:stCondLst>
+                        <p:cond delay="indefinite"/>
+                      </p:stCondLst>
+                      <p:childTnLst>
+                        <p:par>
+                          <p:cTn id="14" fill="hold">
+                            <p:stCondLst>
+                              <p:cond delay="0"/>
+                            </p:stCondLst>
+                            <p:childTnLst>
+                              <p:par>
+                                <p:cTn id="15" presetID="22" presetClass="entr" presetSubtype="4" fill="hold" grpId="0" nodeType="clickEffect">
+                                  <p:stCondLst>
+                                    <p:cond delay="0"/>
+                                  </p:stCondLst>
+                                  <p:childTnLst>
+                                    <p:set>
+                                      <p:cBhvr>
+                                        <p:cTn id="16" dur="1" fill="hold">
+                                          <p:stCondLst>
+                                            <p:cond delay="0"/>
+                                          </p:stCondLst>
+                                        </p:cTn>
+                                        <p:tgtEl>
+                                          <p:spTgt spid="8">
+                                            <p:txEl>
+                                              <p:pRg st="2" end="2"/>
+                                            </p:txEl>
+                                          </p:spTgt>
+                                        </p:tgtEl>
+                                        <p:attrNameLst>
+                                          <p:attrName>style.visibility</p:attrName>
+                                        </p:attrNameLst>
+                                      </p:cBhvr>
+                                      <p:to>
+                                        <p:strVal val="visible"/>
+                                      </p:to>
+                                    </p:set>
+                                    <p:animEffect transition="in" filter="wipe(down)">
+                                      <p:cBhvr>
+                                        <p:cTn id="17" dur="500"/>
+                                        <p:tgtEl>
+                                          <p:spTgt spid="8">
+                                            <p:txEl>
+                                              <p:pRg st="2" end="2"/>
+                                            </p:txEl>
+                                          </p:spTgt>
+                                        </p:tgtEl>
+                                      </p:cBhvr>
+                                    </p:animEffect>
+                                  </p:childTnLst>
+                                </p:cTn>
+                              </p:par>
+                            </p:childTnLst>
+                          </p:cTn>
+                        </p:par>
+                      </p:childTnLst>
+                    </p:cTn>
+                  </p:par>
+                </p:childTnLst>
+              </p:cTn>
+              <p:prevCondLst>
+                <p:cond evt="onPrev" delay="0">
+                  <p:tgtEl>
+                    <p:sldTgt/>
+                  </p:tgtEl>
+                </p:cond>
+              </p:prevCondLst>
+              <p:nextCondLst>
+                <p:cond evt="onNext" delay="0">
+                  <p:tgtEl>
+                    <p:sldTgt/>
+                  </p:tgtEl>
+                </p:cond>
+              </p:nextCondLst>
+            </p:seq>
+          </p:childTnLst>
+        </p:cTn>
+      </p:par>
+    </p:tnLst>
+    <p:bldLst>
+      <p:bldP spid="8" grpId="0" build="p"/>
+    </p:bldLst>
+  </p:timing>
 </p:sld>
 </file>
 
@@ -3745,7 +5683,7 @@
           <p:cNvPr id="2" name="Title 1">
             <a:extLst>
               <a:ext uri="{FF2B5EF4-FFF2-40B4-BE49-F238E27FC236}">
-                <a16:creationId xmlns:a16="http://schemas.microsoft.com/office/drawing/2014/main" id="{591987B8-A2DD-1645-AA13-28593ABA1F03}"/>
+                <a16:creationId xmlns="" xmlns:a16="http://schemas.microsoft.com/office/drawing/2014/main" id="{591987B8-A2DD-1645-AA13-28593ABA1F03}"/>
               </a:ext>
             </a:extLst>
           </p:cNvPr>
@@ -3773,7 +5711,7 @@
           <p:cNvPr id="4" name="Picture 3">
             <a:extLst>
               <a:ext uri="{FF2B5EF4-FFF2-40B4-BE49-F238E27FC236}">
-                <a16:creationId xmlns:a16="http://schemas.microsoft.com/office/drawing/2014/main" id="{CCFE3379-42EC-764F-ACDD-FF3E8BCE3C47}"/>
+                <a16:creationId xmlns="" xmlns:a16="http://schemas.microsoft.com/office/drawing/2014/main" id="{CCFE3379-42EC-764F-ACDD-FF3E8BCE3C47}"/>
               </a:ext>
             </a:extLst>
           </p:cNvPr>
@@ -3803,7 +5741,7 @@
           <p:cNvPr id="5" name="TextBox 4">
             <a:extLst>
               <a:ext uri="{FF2B5EF4-FFF2-40B4-BE49-F238E27FC236}">
-                <a16:creationId xmlns:a16="http://schemas.microsoft.com/office/drawing/2014/main" id="{53B93732-EA01-BB42-8411-E27E18F69CB5}"/>
+                <a16:creationId xmlns="" xmlns:a16="http://schemas.microsoft.com/office/drawing/2014/main" id="{53B93732-EA01-BB42-8411-E27E18F69CB5}"/>
               </a:ext>
             </a:extLst>
           </p:cNvPr>
@@ -3853,13 +5791,169 @@
     </p:spTree>
     <p:extLst>
       <p:ext uri="{BB962C8B-B14F-4D97-AF65-F5344CB8AC3E}">
-        <p14:creationId xmlns:p14="http://schemas.microsoft.com/office/powerpoint/2010/main" val="1760716390"/>
+        <p14:creationId xmlns="" xmlns:p14="http://schemas.microsoft.com/office/powerpoint/2010/main" val="1760716390"/>
       </p:ext>
     </p:extLst>
   </p:cSld>
   <p:clrMapOvr>
     <a:masterClrMapping/>
   </p:clrMapOvr>
+  <p:transition/>
+  <p:timing>
+    <p:tnLst>
+      <p:par>
+        <p:cTn id="1" dur="indefinite" restart="never" nodeType="tmRoot">
+          <p:childTnLst>
+            <p:seq concurrent="1" nextAc="seek">
+              <p:cTn id="2" dur="indefinite" nodeType="mainSeq">
+                <p:childTnLst>
+                  <p:par>
+                    <p:cTn id="3" fill="hold">
+                      <p:stCondLst>
+                        <p:cond delay="indefinite"/>
+                      </p:stCondLst>
+                      <p:childTnLst>
+                        <p:par>
+                          <p:cTn id="4" fill="hold">
+                            <p:stCondLst>
+                              <p:cond delay="0"/>
+                            </p:stCondLst>
+                            <p:childTnLst>
+                              <p:par>
+                                <p:cTn id="5" presetID="22" presetClass="entr" presetSubtype="4" fill="hold" grpId="0" nodeType="clickEffect">
+                                  <p:stCondLst>
+                                    <p:cond delay="0"/>
+                                  </p:stCondLst>
+                                  <p:childTnLst>
+                                    <p:set>
+                                      <p:cBhvr>
+                                        <p:cTn id="6" dur="1" fill="hold">
+                                          <p:stCondLst>
+                                            <p:cond delay="0"/>
+                                          </p:stCondLst>
+                                        </p:cTn>
+                                        <p:tgtEl>
+                                          <p:spTgt spid="5">
+                                            <p:txEl>
+                                              <p:pRg st="0" end="0"/>
+                                            </p:txEl>
+                                          </p:spTgt>
+                                        </p:tgtEl>
+                                        <p:attrNameLst>
+                                          <p:attrName>style.visibility</p:attrName>
+                                        </p:attrNameLst>
+                                      </p:cBhvr>
+                                      <p:to>
+                                        <p:strVal val="visible"/>
+                                      </p:to>
+                                    </p:set>
+                                    <p:animEffect transition="in" filter="wipe(down)">
+                                      <p:cBhvr>
+                                        <p:cTn id="7" dur="500"/>
+                                        <p:tgtEl>
+                                          <p:spTgt spid="5">
+                                            <p:txEl>
+                                              <p:pRg st="0" end="0"/>
+                                            </p:txEl>
+                                          </p:spTgt>
+                                        </p:tgtEl>
+                                      </p:cBhvr>
+                                    </p:animEffect>
+                                  </p:childTnLst>
+                                </p:cTn>
+                              </p:par>
+                            </p:childTnLst>
+                          </p:cTn>
+                        </p:par>
+                      </p:childTnLst>
+                    </p:cTn>
+                  </p:par>
+                  <p:par>
+                    <p:cTn id="8" fill="hold">
+                      <p:stCondLst>
+                        <p:cond delay="indefinite"/>
+                      </p:stCondLst>
+                      <p:childTnLst>
+                        <p:par>
+                          <p:cTn id="9" fill="hold">
+                            <p:stCondLst>
+                              <p:cond delay="0"/>
+                            </p:stCondLst>
+                            <p:childTnLst>
+                              <p:par>
+                                <p:cTn id="10" presetID="22" presetClass="entr" presetSubtype="4" fill="hold" grpId="0" nodeType="clickEffect">
+                                  <p:stCondLst>
+                                    <p:cond delay="0"/>
+                                  </p:stCondLst>
+                                  <p:childTnLst>
+                                    <p:set>
+                                      <p:cBhvr>
+                                        <p:cTn id="11" dur="1" fill="hold">
+                                          <p:stCondLst>
+                                            <p:cond delay="0"/>
+                                          </p:stCondLst>
+                                        </p:cTn>
+                                        <p:tgtEl>
+                                          <p:spTgt spid="5">
+                                            <p:txEl>
+                                              <p:pRg st="2" end="2"/>
+                                            </p:txEl>
+                                          </p:spTgt>
+                                        </p:tgtEl>
+                                        <p:attrNameLst>
+                                          <p:attrName>style.visibility</p:attrName>
+                                        </p:attrNameLst>
+                                      </p:cBhvr>
+                                      <p:to>
+                                        <p:strVal val="visible"/>
+                                      </p:to>
+                                    </p:set>
+                                    <p:animEffect transition="in" filter="wipe(down)">
+                                      <p:cBhvr>
+                                        <p:cTn id="12" dur="500"/>
+                                        <p:tgtEl>
+                                          <p:spTgt spid="5">
+                                            <p:txEl>
+                                              <p:pRg st="2" end="2"/>
+                                            </p:txEl>
+                                          </p:spTgt>
+                                        </p:tgtEl>
+                                      </p:cBhvr>
+                                    </p:animEffect>
+                                  </p:childTnLst>
+                                </p:cTn>
+                              </p:par>
+                            </p:childTnLst>
+                          </p:cTn>
+                        </p:par>
+                      </p:childTnLst>
+                    </p:cTn>
+                  </p:par>
+                </p:childTnLst>
+              </p:cTn>
+              <p:prevCondLst>
+                <p:cond evt="onPrev" delay="0">
+                  <p:tgtEl>
+                    <p:sldTgt/>
+                  </p:tgtEl>
+                </p:cond>
+              </p:prevCondLst>
+              <p:nextCondLst>
+                <p:cond evt="onNext" delay="0">
+                  <p:tgtEl>
+                    <p:sldTgt/>
+                  </p:tgtEl>
+                </p:cond>
+              </p:nextCondLst>
+            </p:seq>
+          </p:childTnLst>
+        </p:cTn>
+      </p:par>
+    </p:tnLst>
+    <p:bldLst>
+      <p:bldP spid="5" grpId="0" build="p"/>
+    </p:bldLst>
+  </p:timing>
 </p:sld>
 </file>
 
@@ -3885,7 +5979,7 @@
           <p:cNvPr id="2" name="Title 1">
             <a:extLst>
               <a:ext uri="{FF2B5EF4-FFF2-40B4-BE49-F238E27FC236}">
-                <a16:creationId xmlns:a16="http://schemas.microsoft.com/office/drawing/2014/main" id="{15CDD1AF-D3BE-0243-85B9-85DC0AA1F64F}"/>
+                <a16:creationId xmlns="" xmlns:a16="http://schemas.microsoft.com/office/drawing/2014/main" id="{15CDD1AF-D3BE-0243-85B9-85DC0AA1F64F}"/>
               </a:ext>
             </a:extLst>
           </p:cNvPr>
@@ -3918,7 +6012,7 @@
           <p:cNvPr id="5" name="Picture 4">
             <a:extLst>
               <a:ext uri="{FF2B5EF4-FFF2-40B4-BE49-F238E27FC236}">
-                <a16:creationId xmlns:a16="http://schemas.microsoft.com/office/drawing/2014/main" id="{D1B2CFC8-5221-3E42-B1AF-8D87D289FC74}"/>
+                <a16:creationId xmlns="" xmlns:a16="http://schemas.microsoft.com/office/drawing/2014/main" id="{D1B2CFC8-5221-3E42-B1AF-8D87D289FC74}"/>
               </a:ext>
             </a:extLst>
           </p:cNvPr>
@@ -3948,7 +6042,7 @@
           <p:cNvPr id="6" name="Left Arrow 5">
             <a:extLst>
               <a:ext uri="{FF2B5EF4-FFF2-40B4-BE49-F238E27FC236}">
-                <a16:creationId xmlns:a16="http://schemas.microsoft.com/office/drawing/2014/main" id="{E6722E90-2ACE-1A40-AC24-BBCC98B61904}"/>
+                <a16:creationId xmlns="" xmlns:a16="http://schemas.microsoft.com/office/drawing/2014/main" id="{E6722E90-2ACE-1A40-AC24-BBCC98B61904}"/>
               </a:ext>
             </a:extLst>
           </p:cNvPr>
@@ -3994,7 +6088,7 @@
           <p:cNvPr id="7" name="Left Arrow 6">
             <a:extLst>
               <a:ext uri="{FF2B5EF4-FFF2-40B4-BE49-F238E27FC236}">
-                <a16:creationId xmlns:a16="http://schemas.microsoft.com/office/drawing/2014/main" id="{87198DD8-E2DD-984C-B44F-D07352DB003C}"/>
+                <a16:creationId xmlns="" xmlns:a16="http://schemas.microsoft.com/office/drawing/2014/main" id="{87198DD8-E2DD-984C-B44F-D07352DB003C}"/>
               </a:ext>
             </a:extLst>
           </p:cNvPr>
@@ -4040,7 +6134,7 @@
           <p:cNvPr id="8" name="Left Arrow 7">
             <a:extLst>
               <a:ext uri="{FF2B5EF4-FFF2-40B4-BE49-F238E27FC236}">
-                <a16:creationId xmlns:a16="http://schemas.microsoft.com/office/drawing/2014/main" id="{94D840BC-E384-DA4E-A440-B5528A0462D6}"/>
+                <a16:creationId xmlns="" xmlns:a16="http://schemas.microsoft.com/office/drawing/2014/main" id="{94D840BC-E384-DA4E-A440-B5528A0462D6}"/>
               </a:ext>
             </a:extLst>
           </p:cNvPr>
@@ -4086,7 +6180,7 @@
           <p:cNvPr id="9" name="TextBox 8">
             <a:extLst>
               <a:ext uri="{FF2B5EF4-FFF2-40B4-BE49-F238E27FC236}">
-                <a16:creationId xmlns:a16="http://schemas.microsoft.com/office/drawing/2014/main" id="{C464AE6C-BD47-9540-890A-A722088AEEDC}"/>
+                <a16:creationId xmlns="" xmlns:a16="http://schemas.microsoft.com/office/drawing/2014/main" id="{C464AE6C-BD47-9540-890A-A722088AEEDC}"/>
               </a:ext>
             </a:extLst>
           </p:cNvPr>
@@ -4121,7 +6215,7 @@
           <p:cNvPr id="10" name="TextBox 9">
             <a:extLst>
               <a:ext uri="{FF2B5EF4-FFF2-40B4-BE49-F238E27FC236}">
-                <a16:creationId xmlns:a16="http://schemas.microsoft.com/office/drawing/2014/main" id="{36206D6F-5EA4-1447-BA88-2884766BF12D}"/>
+                <a16:creationId xmlns="" xmlns:a16="http://schemas.microsoft.com/office/drawing/2014/main" id="{36206D6F-5EA4-1447-BA88-2884766BF12D}"/>
               </a:ext>
             </a:extLst>
           </p:cNvPr>
@@ -4156,7 +6250,7 @@
           <p:cNvPr id="11" name="TextBox 10">
             <a:extLst>
               <a:ext uri="{FF2B5EF4-FFF2-40B4-BE49-F238E27FC236}">
-                <a16:creationId xmlns:a16="http://schemas.microsoft.com/office/drawing/2014/main" id="{74087572-5E85-694E-B426-38A851A28A65}"/>
+                <a16:creationId xmlns="" xmlns:a16="http://schemas.microsoft.com/office/drawing/2014/main" id="{74087572-5E85-694E-B426-38A851A28A65}"/>
               </a:ext>
             </a:extLst>
           </p:cNvPr>
@@ -4189,13 +6283,21 @@
     </p:spTree>
     <p:extLst>
       <p:ext uri="{BB962C8B-B14F-4D97-AF65-F5344CB8AC3E}">
-        <p14:creationId xmlns:p14="http://schemas.microsoft.com/office/powerpoint/2010/main" val="621533655"/>
+        <p14:creationId xmlns="" xmlns:p14="http://schemas.microsoft.com/office/powerpoint/2010/main" val="621533655"/>
       </p:ext>
     </p:extLst>
   </p:cSld>
   <p:clrMapOvr>
     <a:masterClrMapping/>
   </p:clrMapOvr>
+  <p:transition/>
+  <p:timing>
+    <p:tnLst>
+      <p:par>
+        <p:cTn id="1" dur="indefinite" restart="never" nodeType="tmRoot"/>
+      </p:par>
+    </p:tnLst>
+  </p:timing>
 </p:sld>
 </file>
 
@@ -4221,7 +6323,7 @@
           <p:cNvPr id="2" name="Title 1">
             <a:extLst>
               <a:ext uri="{FF2B5EF4-FFF2-40B4-BE49-F238E27FC236}">
-                <a16:creationId xmlns:a16="http://schemas.microsoft.com/office/drawing/2014/main" id="{3E332F8E-9CB2-984F-97E5-AF19B70065E6}"/>
+                <a16:creationId xmlns="" xmlns:a16="http://schemas.microsoft.com/office/drawing/2014/main" id="{3E332F8E-9CB2-984F-97E5-AF19B70065E6}"/>
               </a:ext>
             </a:extLst>
           </p:cNvPr>
@@ -4249,7 +6351,7 @@
           <p:cNvPr id="6" name="Picture 5">
             <a:extLst>
               <a:ext uri="{FF2B5EF4-FFF2-40B4-BE49-F238E27FC236}">
-                <a16:creationId xmlns:a16="http://schemas.microsoft.com/office/drawing/2014/main" id="{5BDCB219-4D95-9A4A-AD6E-A608D8A8CB29}"/>
+                <a16:creationId xmlns="" xmlns:a16="http://schemas.microsoft.com/office/drawing/2014/main" id="{5BDCB219-4D95-9A4A-AD6E-A608D8A8CB29}"/>
               </a:ext>
             </a:extLst>
           </p:cNvPr>
@@ -4279,7 +6381,7 @@
           <p:cNvPr id="7" name="TextBox 6">
             <a:extLst>
               <a:ext uri="{FF2B5EF4-FFF2-40B4-BE49-F238E27FC236}">
-                <a16:creationId xmlns:a16="http://schemas.microsoft.com/office/drawing/2014/main" id="{726024F6-E399-D14A-9A50-91C61165214A}"/>
+                <a16:creationId xmlns="" xmlns:a16="http://schemas.microsoft.com/office/drawing/2014/main" id="{726024F6-E399-D14A-9A50-91C61165214A}"/>
               </a:ext>
             </a:extLst>
           </p:cNvPr>
@@ -4328,7 +6430,7 @@
           <p:cNvPr id="9" name="Picture 8">
             <a:extLst>
               <a:ext uri="{FF2B5EF4-FFF2-40B4-BE49-F238E27FC236}">
-                <a16:creationId xmlns:a16="http://schemas.microsoft.com/office/drawing/2014/main" id="{79DAA3C4-D584-1A4A-93D3-2B1C279DADAD}"/>
+                <a16:creationId xmlns="" xmlns:a16="http://schemas.microsoft.com/office/drawing/2014/main" id="{79DAA3C4-D584-1A4A-93D3-2B1C279DADAD}"/>
               </a:ext>
             </a:extLst>
           </p:cNvPr>
@@ -4356,13 +6458,21 @@
     </p:spTree>
     <p:extLst>
       <p:ext uri="{BB962C8B-B14F-4D97-AF65-F5344CB8AC3E}">
-        <p14:creationId xmlns:p14="http://schemas.microsoft.com/office/powerpoint/2010/main" val="2314787215"/>
+        <p14:creationId xmlns="" xmlns:p14="http://schemas.microsoft.com/office/powerpoint/2010/main" val="2314787215"/>
       </p:ext>
     </p:extLst>
   </p:cSld>
   <p:clrMapOvr>
     <a:masterClrMapping/>
   </p:clrMapOvr>
+  <p:transition/>
+  <p:timing>
+    <p:tnLst>
+      <p:par>
+        <p:cTn id="1" dur="indefinite" restart="never" nodeType="tmRoot"/>
+      </p:par>
+    </p:tnLst>
+  </p:timing>
 </p:sld>
 </file>
 
@@ -4388,7 +6498,7 @@
           <p:cNvPr id="2" name="Title 1">
             <a:extLst>
               <a:ext uri="{FF2B5EF4-FFF2-40B4-BE49-F238E27FC236}">
-                <a16:creationId xmlns:a16="http://schemas.microsoft.com/office/drawing/2014/main" id="{A96720E5-A9C4-1B48-A686-68412F2062C6}"/>
+                <a16:creationId xmlns="" xmlns:a16="http://schemas.microsoft.com/office/drawing/2014/main" id="{A96720E5-A9C4-1B48-A686-68412F2062C6}"/>
               </a:ext>
             </a:extLst>
           </p:cNvPr>
@@ -4416,7 +6526,7 @@
           <p:cNvPr id="4" name="TextBox 3">
             <a:extLst>
               <a:ext uri="{FF2B5EF4-FFF2-40B4-BE49-F238E27FC236}">
-                <a16:creationId xmlns:a16="http://schemas.microsoft.com/office/drawing/2014/main" id="{51A6283F-CD51-4C4A-8CEF-3F5E289096AB}"/>
+                <a16:creationId xmlns="" xmlns:a16="http://schemas.microsoft.com/office/drawing/2014/main" id="{51A6283F-CD51-4C4A-8CEF-3F5E289096AB}"/>
               </a:ext>
             </a:extLst>
           </p:cNvPr>
@@ -4454,7 +6564,7 @@
           <p:cNvPr id="5" name="Table 4">
             <a:extLst>
               <a:ext uri="{FF2B5EF4-FFF2-40B4-BE49-F238E27FC236}">
-                <a16:creationId xmlns:a16="http://schemas.microsoft.com/office/drawing/2014/main" id="{CA74A975-9E0C-AC41-B2E1-5F29F12A2435}"/>
+                <a16:creationId xmlns="" xmlns:a16="http://schemas.microsoft.com/office/drawing/2014/main" id="{CA74A975-9E0C-AC41-B2E1-5F29F12A2435}"/>
               </a:ext>
             </a:extLst>
           </p:cNvPr>
@@ -4464,7 +6574,7 @@
           <p:nvPr>
             <p:extLst>
               <p:ext uri="{D42A27DB-BD31-4B8C-83A1-F6EECF244321}">
-                <p14:modId xmlns:p14="http://schemas.microsoft.com/office/powerpoint/2010/main" val="2282219827"/>
+                <p14:modId xmlns="" xmlns:p14="http://schemas.microsoft.com/office/powerpoint/2010/main" val="2282219827"/>
               </p:ext>
             </p:extLst>
           </p:nvPr>
@@ -4483,49 +6593,49 @@
                 <a:gridCol w="1161143">
                   <a:extLst>
                     <a:ext uri="{9D8B030D-6E8A-4147-A177-3AD203B41FA5}">
-                      <a16:colId xmlns:a16="http://schemas.microsoft.com/office/drawing/2014/main" val="1554076065"/>
+                      <a16:colId xmlns="" xmlns:a16="http://schemas.microsoft.com/office/drawing/2014/main" val="1554076065"/>
                     </a:ext>
                   </a:extLst>
                 </a:gridCol>
                 <a:gridCol w="1161143">
                   <a:extLst>
                     <a:ext uri="{9D8B030D-6E8A-4147-A177-3AD203B41FA5}">
-                      <a16:colId xmlns:a16="http://schemas.microsoft.com/office/drawing/2014/main" val="3333751274"/>
+                      <a16:colId xmlns="" xmlns:a16="http://schemas.microsoft.com/office/drawing/2014/main" val="3333751274"/>
                     </a:ext>
                   </a:extLst>
                 </a:gridCol>
                 <a:gridCol w="1161143">
                   <a:extLst>
                     <a:ext uri="{9D8B030D-6E8A-4147-A177-3AD203B41FA5}">
-                      <a16:colId xmlns:a16="http://schemas.microsoft.com/office/drawing/2014/main" val="2744425898"/>
+                      <a16:colId xmlns="" xmlns:a16="http://schemas.microsoft.com/office/drawing/2014/main" val="2744425898"/>
                     </a:ext>
                   </a:extLst>
                 </a:gridCol>
                 <a:gridCol w="1161143">
                   <a:extLst>
                     <a:ext uri="{9D8B030D-6E8A-4147-A177-3AD203B41FA5}">
-                      <a16:colId xmlns:a16="http://schemas.microsoft.com/office/drawing/2014/main" val="4153166793"/>
+                      <a16:colId xmlns="" xmlns:a16="http://schemas.microsoft.com/office/drawing/2014/main" val="4153166793"/>
                     </a:ext>
                   </a:extLst>
                 </a:gridCol>
                 <a:gridCol w="1161143">
                   <a:extLst>
                     <a:ext uri="{9D8B030D-6E8A-4147-A177-3AD203B41FA5}">
-                      <a16:colId xmlns:a16="http://schemas.microsoft.com/office/drawing/2014/main" val="991097757"/>
+                      <a16:colId xmlns="" xmlns:a16="http://schemas.microsoft.com/office/drawing/2014/main" val="991097757"/>
                     </a:ext>
                   </a:extLst>
                 </a:gridCol>
                 <a:gridCol w="1161143">
                   <a:extLst>
                     <a:ext uri="{9D8B030D-6E8A-4147-A177-3AD203B41FA5}">
-                      <a16:colId xmlns:a16="http://schemas.microsoft.com/office/drawing/2014/main" val="2504377078"/>
+                      <a16:colId xmlns="" xmlns:a16="http://schemas.microsoft.com/office/drawing/2014/main" val="2504377078"/>
                     </a:ext>
                   </a:extLst>
                 </a:gridCol>
                 <a:gridCol w="1161143">
                   <a:extLst>
                     <a:ext uri="{9D8B030D-6E8A-4147-A177-3AD203B41FA5}">
-                      <a16:colId xmlns:a16="http://schemas.microsoft.com/office/drawing/2014/main" val="2377354074"/>
+                      <a16:colId xmlns="" xmlns:a16="http://schemas.microsoft.com/office/drawing/2014/main" val="2377354074"/>
                     </a:ext>
                   </a:extLst>
                 </a:gridCol>
@@ -4624,7 +6734,7 @@
                 </a:tc>
                 <a:extLst>
                   <a:ext uri="{0D108BD9-81ED-4DB2-BD59-A6C34878D82A}">
-                    <a16:rowId xmlns:a16="http://schemas.microsoft.com/office/drawing/2014/main" val="391558464"/>
+                    <a16:rowId xmlns="" xmlns:a16="http://schemas.microsoft.com/office/drawing/2014/main" val="391558464"/>
                   </a:ext>
                 </a:extLst>
               </a:tr>
@@ -4722,7 +6832,7 @@
                 </a:tc>
                 <a:extLst>
                   <a:ext uri="{0D108BD9-81ED-4DB2-BD59-A6C34878D82A}">
-                    <a16:rowId xmlns:a16="http://schemas.microsoft.com/office/drawing/2014/main" val="2229638919"/>
+                    <a16:rowId xmlns="" xmlns:a16="http://schemas.microsoft.com/office/drawing/2014/main" val="2229638919"/>
                   </a:ext>
                 </a:extLst>
               </a:tr>
@@ -4820,7 +6930,7 @@
                 </a:tc>
                 <a:extLst>
                   <a:ext uri="{0D108BD9-81ED-4DB2-BD59-A6C34878D82A}">
-                    <a16:rowId xmlns:a16="http://schemas.microsoft.com/office/drawing/2014/main" val="910448914"/>
+                    <a16:rowId xmlns="" xmlns:a16="http://schemas.microsoft.com/office/drawing/2014/main" val="910448914"/>
                   </a:ext>
                 </a:extLst>
               </a:tr>
@@ -4918,7 +7028,7 @@
                 </a:tc>
                 <a:extLst>
                   <a:ext uri="{0D108BD9-81ED-4DB2-BD59-A6C34878D82A}">
-                    <a16:rowId xmlns:a16="http://schemas.microsoft.com/office/drawing/2014/main" val="2134492901"/>
+                    <a16:rowId xmlns="" xmlns:a16="http://schemas.microsoft.com/office/drawing/2014/main" val="2134492901"/>
                   </a:ext>
                 </a:extLst>
               </a:tr>
@@ -5016,7 +7126,7 @@
                 </a:tc>
                 <a:extLst>
                   <a:ext uri="{0D108BD9-81ED-4DB2-BD59-A6C34878D82A}">
-                    <a16:rowId xmlns:a16="http://schemas.microsoft.com/office/drawing/2014/main" val="3631361207"/>
+                    <a16:rowId xmlns="" xmlns:a16="http://schemas.microsoft.com/office/drawing/2014/main" val="3631361207"/>
                   </a:ext>
                 </a:extLst>
               </a:tr>
@@ -5114,7 +7224,7 @@
                 </a:tc>
                 <a:extLst>
                   <a:ext uri="{0D108BD9-81ED-4DB2-BD59-A6C34878D82A}">
-                    <a16:rowId xmlns:a16="http://schemas.microsoft.com/office/drawing/2014/main" val="1624239474"/>
+                    <a16:rowId xmlns="" xmlns:a16="http://schemas.microsoft.com/office/drawing/2014/main" val="1624239474"/>
                   </a:ext>
                 </a:extLst>
               </a:tr>
@@ -5212,7 +7322,7 @@
                 </a:tc>
                 <a:extLst>
                   <a:ext uri="{0D108BD9-81ED-4DB2-BD59-A6C34878D82A}">
-                    <a16:rowId xmlns:a16="http://schemas.microsoft.com/office/drawing/2014/main" val="3022350901"/>
+                    <a16:rowId xmlns="" xmlns:a16="http://schemas.microsoft.com/office/drawing/2014/main" val="3022350901"/>
                   </a:ext>
                 </a:extLst>
               </a:tr>
@@ -5310,7 +7420,7 @@
                 </a:tc>
                 <a:extLst>
                   <a:ext uri="{0D108BD9-81ED-4DB2-BD59-A6C34878D82A}">
-                    <a16:rowId xmlns:a16="http://schemas.microsoft.com/office/drawing/2014/main" val="2427161695"/>
+                    <a16:rowId xmlns="" xmlns:a16="http://schemas.microsoft.com/office/drawing/2014/main" val="2427161695"/>
                   </a:ext>
                 </a:extLst>
               </a:tr>
@@ -5323,7 +7433,7 @@
           <p:cNvPr id="6" name="TextBox 5">
             <a:extLst>
               <a:ext uri="{FF2B5EF4-FFF2-40B4-BE49-F238E27FC236}">
-                <a16:creationId xmlns:a16="http://schemas.microsoft.com/office/drawing/2014/main" id="{7F9100AB-808F-084F-9D63-70D445DDFC3F}"/>
+                <a16:creationId xmlns="" xmlns:a16="http://schemas.microsoft.com/office/drawing/2014/main" id="{7F9100AB-808F-084F-9D63-70D445DDFC3F}"/>
               </a:ext>
             </a:extLst>
           </p:cNvPr>
@@ -5374,7 +7484,7 @@
           <p:cNvPr id="9" name="Picture 8">
             <a:extLst>
               <a:ext uri="{FF2B5EF4-FFF2-40B4-BE49-F238E27FC236}">
-                <a16:creationId xmlns:a16="http://schemas.microsoft.com/office/drawing/2014/main" id="{65ECEE99-E4CC-3A49-90C0-999E617DEF50}"/>
+                <a16:creationId xmlns="" xmlns:a16="http://schemas.microsoft.com/office/drawing/2014/main" id="{65ECEE99-E4CC-3A49-90C0-999E617DEF50}"/>
               </a:ext>
             </a:extLst>
           </p:cNvPr>
@@ -5402,13 +7512,21 @@
     </p:spTree>
     <p:extLst>
       <p:ext uri="{BB962C8B-B14F-4D97-AF65-F5344CB8AC3E}">
-        <p14:creationId xmlns:p14="http://schemas.microsoft.com/office/powerpoint/2010/main" val="279420082"/>
+        <p14:creationId xmlns="" xmlns:p14="http://schemas.microsoft.com/office/powerpoint/2010/main" val="279420082"/>
       </p:ext>
     </p:extLst>
   </p:cSld>
   <p:clrMapOvr>
     <a:masterClrMapping/>
   </p:clrMapOvr>
+  <p:transition/>
+  <p:timing>
+    <p:tnLst>
+      <p:par>
+        <p:cTn id="1" dur="indefinite" restart="never" nodeType="tmRoot"/>
+      </p:par>
+    </p:tnLst>
+  </p:timing>
 </p:sld>
 </file>
 
@@ -5434,7 +7552,7 @@
           <p:cNvPr id="2" name="Title 1">
             <a:extLst>
               <a:ext uri="{FF2B5EF4-FFF2-40B4-BE49-F238E27FC236}">
-                <a16:creationId xmlns:a16="http://schemas.microsoft.com/office/drawing/2014/main" id="{C1EC354D-BD40-AF45-9424-4889460F4868}"/>
+                <a16:creationId xmlns="" xmlns:a16="http://schemas.microsoft.com/office/drawing/2014/main" id="{C1EC354D-BD40-AF45-9424-4889460F4868}"/>
               </a:ext>
             </a:extLst>
           </p:cNvPr>
@@ -5462,7 +7580,7 @@
           <p:cNvPr id="3" name="Content Placeholder 2">
             <a:extLst>
               <a:ext uri="{FF2B5EF4-FFF2-40B4-BE49-F238E27FC236}">
-                <a16:creationId xmlns:a16="http://schemas.microsoft.com/office/drawing/2014/main" id="{9CEF9568-B20E-2144-B5A8-CE268B55E4C7}"/>
+                <a16:creationId xmlns="" xmlns:a16="http://schemas.microsoft.com/office/drawing/2014/main" id="{9CEF9568-B20E-2144-B5A8-CE268B55E4C7}"/>
               </a:ext>
             </a:extLst>
           </p:cNvPr>
@@ -5553,13 +7671,1056 @@
     </p:spTree>
     <p:extLst>
       <p:ext uri="{BB962C8B-B14F-4D97-AF65-F5344CB8AC3E}">
-        <p14:creationId xmlns:p14="http://schemas.microsoft.com/office/powerpoint/2010/main" val="3336687296"/>
+        <p14:creationId xmlns="" xmlns:p14="http://schemas.microsoft.com/office/powerpoint/2010/main" val="3336687296"/>
       </p:ext>
     </p:extLst>
   </p:cSld>
   <p:clrMapOvr>
     <a:masterClrMapping/>
   </p:clrMapOvr>
+  <p:transition/>
+  <p:timing>
+    <p:tnLst>
+      <p:par>
+        <p:cTn id="1" dur="indefinite" restart="never" nodeType="tmRoot">
+          <p:childTnLst>
+            <p:seq concurrent="1" nextAc="seek">
+              <p:cTn id="2" dur="indefinite" nodeType="mainSeq">
+                <p:childTnLst>
+                  <p:par>
+                    <p:cTn id="3" fill="hold">
+                      <p:stCondLst>
+                        <p:cond delay="indefinite"/>
+                      </p:stCondLst>
+                      <p:childTnLst>
+                        <p:par>
+                          <p:cTn id="4" fill="hold">
+                            <p:stCondLst>
+                              <p:cond delay="0"/>
+                            </p:stCondLst>
+                            <p:childTnLst>
+                              <p:par>
+                                <p:cTn id="5" presetID="22" presetClass="entr" presetSubtype="4" fill="hold" grpId="0" nodeType="clickEffect">
+                                  <p:stCondLst>
+                                    <p:cond delay="0"/>
+                                  </p:stCondLst>
+                                  <p:childTnLst>
+                                    <p:set>
+                                      <p:cBhvr>
+                                        <p:cTn id="6" dur="1" fill="hold">
+                                          <p:stCondLst>
+                                            <p:cond delay="0"/>
+                                          </p:stCondLst>
+                                        </p:cTn>
+                                        <p:tgtEl>
+                                          <p:spTgt spid="3">
+                                            <p:txEl>
+                                              <p:pRg st="0" end="0"/>
+                                            </p:txEl>
+                                          </p:spTgt>
+                                        </p:tgtEl>
+                                        <p:attrNameLst>
+                                          <p:attrName>style.visibility</p:attrName>
+                                        </p:attrNameLst>
+                                      </p:cBhvr>
+                                      <p:to>
+                                        <p:strVal val="visible"/>
+                                      </p:to>
+                                    </p:set>
+                                    <p:animEffect transition="in" filter="wipe(down)">
+                                      <p:cBhvr>
+                                        <p:cTn id="7" dur="500"/>
+                                        <p:tgtEl>
+                                          <p:spTgt spid="3">
+                                            <p:txEl>
+                                              <p:pRg st="0" end="0"/>
+                                            </p:txEl>
+                                          </p:spTgt>
+                                        </p:tgtEl>
+                                      </p:cBhvr>
+                                    </p:animEffect>
+                                  </p:childTnLst>
+                                </p:cTn>
+                              </p:par>
+                            </p:childTnLst>
+                          </p:cTn>
+                        </p:par>
+                      </p:childTnLst>
+                    </p:cTn>
+                  </p:par>
+                  <p:par>
+                    <p:cTn id="8" fill="hold">
+                      <p:stCondLst>
+                        <p:cond delay="indefinite"/>
+                      </p:stCondLst>
+                      <p:childTnLst>
+                        <p:par>
+                          <p:cTn id="9" fill="hold">
+                            <p:stCondLst>
+                              <p:cond delay="0"/>
+                            </p:stCondLst>
+                            <p:childTnLst>
+                              <p:par>
+                                <p:cTn id="10" presetID="22" presetClass="entr" presetSubtype="4" fill="hold" grpId="0" nodeType="clickEffect">
+                                  <p:stCondLst>
+                                    <p:cond delay="0"/>
+                                  </p:stCondLst>
+                                  <p:childTnLst>
+                                    <p:set>
+                                      <p:cBhvr>
+                                        <p:cTn id="11" dur="1" fill="hold">
+                                          <p:stCondLst>
+                                            <p:cond delay="0"/>
+                                          </p:stCondLst>
+                                        </p:cTn>
+                                        <p:tgtEl>
+                                          <p:spTgt spid="3">
+                                            <p:txEl>
+                                              <p:pRg st="1" end="1"/>
+                                            </p:txEl>
+                                          </p:spTgt>
+                                        </p:tgtEl>
+                                        <p:attrNameLst>
+                                          <p:attrName>style.visibility</p:attrName>
+                                        </p:attrNameLst>
+                                      </p:cBhvr>
+                                      <p:to>
+                                        <p:strVal val="visible"/>
+                                      </p:to>
+                                    </p:set>
+                                    <p:animEffect transition="in" filter="wipe(down)">
+                                      <p:cBhvr>
+                                        <p:cTn id="12" dur="500"/>
+                                        <p:tgtEl>
+                                          <p:spTgt spid="3">
+                                            <p:txEl>
+                                              <p:pRg st="1" end="1"/>
+                                            </p:txEl>
+                                          </p:spTgt>
+                                        </p:tgtEl>
+                                      </p:cBhvr>
+                                    </p:animEffect>
+                                  </p:childTnLst>
+                                </p:cTn>
+                              </p:par>
+                            </p:childTnLst>
+                          </p:cTn>
+                        </p:par>
+                      </p:childTnLst>
+                    </p:cTn>
+                  </p:par>
+                  <p:par>
+                    <p:cTn id="13" fill="hold">
+                      <p:stCondLst>
+                        <p:cond delay="indefinite"/>
+                      </p:stCondLst>
+                      <p:childTnLst>
+                        <p:par>
+                          <p:cTn id="14" fill="hold">
+                            <p:stCondLst>
+                              <p:cond delay="0"/>
+                            </p:stCondLst>
+                            <p:childTnLst>
+                              <p:par>
+                                <p:cTn id="15" presetID="22" presetClass="entr" presetSubtype="4" fill="hold" grpId="0" nodeType="clickEffect">
+                                  <p:stCondLst>
+                                    <p:cond delay="0"/>
+                                  </p:stCondLst>
+                                  <p:childTnLst>
+                                    <p:set>
+                                      <p:cBhvr>
+                                        <p:cTn id="16" dur="1" fill="hold">
+                                          <p:stCondLst>
+                                            <p:cond delay="0"/>
+                                          </p:stCondLst>
+                                        </p:cTn>
+                                        <p:tgtEl>
+                                          <p:spTgt spid="3">
+                                            <p:txEl>
+                                              <p:pRg st="2" end="2"/>
+                                            </p:txEl>
+                                          </p:spTgt>
+                                        </p:tgtEl>
+                                        <p:attrNameLst>
+                                          <p:attrName>style.visibility</p:attrName>
+                                        </p:attrNameLst>
+                                      </p:cBhvr>
+                                      <p:to>
+                                        <p:strVal val="visible"/>
+                                      </p:to>
+                                    </p:set>
+                                    <p:animEffect transition="in" filter="wipe(down)">
+                                      <p:cBhvr>
+                                        <p:cTn id="17" dur="500"/>
+                                        <p:tgtEl>
+                                          <p:spTgt spid="3">
+                                            <p:txEl>
+                                              <p:pRg st="2" end="2"/>
+                                            </p:txEl>
+                                          </p:spTgt>
+                                        </p:tgtEl>
+                                      </p:cBhvr>
+                                    </p:animEffect>
+                                  </p:childTnLst>
+                                </p:cTn>
+                              </p:par>
+                            </p:childTnLst>
+                          </p:cTn>
+                        </p:par>
+                      </p:childTnLst>
+                    </p:cTn>
+                  </p:par>
+                  <p:par>
+                    <p:cTn id="18" fill="hold">
+                      <p:stCondLst>
+                        <p:cond delay="indefinite"/>
+                      </p:stCondLst>
+                      <p:childTnLst>
+                        <p:par>
+                          <p:cTn id="19" fill="hold">
+                            <p:stCondLst>
+                              <p:cond delay="0"/>
+                            </p:stCondLst>
+                            <p:childTnLst>
+                              <p:par>
+                                <p:cTn id="20" presetID="22" presetClass="entr" presetSubtype="4" fill="hold" grpId="0" nodeType="clickEffect">
+                                  <p:stCondLst>
+                                    <p:cond delay="0"/>
+                                  </p:stCondLst>
+                                  <p:childTnLst>
+                                    <p:set>
+                                      <p:cBhvr>
+                                        <p:cTn id="21" dur="1" fill="hold">
+                                          <p:stCondLst>
+                                            <p:cond delay="0"/>
+                                          </p:stCondLst>
+                                        </p:cTn>
+                                        <p:tgtEl>
+                                          <p:spTgt spid="3">
+                                            <p:txEl>
+                                              <p:pRg st="3" end="3"/>
+                                            </p:txEl>
+                                          </p:spTgt>
+                                        </p:tgtEl>
+                                        <p:attrNameLst>
+                                          <p:attrName>style.visibility</p:attrName>
+                                        </p:attrNameLst>
+                                      </p:cBhvr>
+                                      <p:to>
+                                        <p:strVal val="visible"/>
+                                      </p:to>
+                                    </p:set>
+                                    <p:animEffect transition="in" filter="wipe(down)">
+                                      <p:cBhvr>
+                                        <p:cTn id="22" dur="500"/>
+                                        <p:tgtEl>
+                                          <p:spTgt spid="3">
+                                            <p:txEl>
+                                              <p:pRg st="3" end="3"/>
+                                            </p:txEl>
+                                          </p:spTgt>
+                                        </p:tgtEl>
+                                      </p:cBhvr>
+                                    </p:animEffect>
+                                  </p:childTnLst>
+                                </p:cTn>
+                              </p:par>
+                            </p:childTnLst>
+                          </p:cTn>
+                        </p:par>
+                      </p:childTnLst>
+                    </p:cTn>
+                  </p:par>
+                  <p:par>
+                    <p:cTn id="23" fill="hold">
+                      <p:stCondLst>
+                        <p:cond delay="indefinite"/>
+                      </p:stCondLst>
+                      <p:childTnLst>
+                        <p:par>
+                          <p:cTn id="24" fill="hold">
+                            <p:stCondLst>
+                              <p:cond delay="0"/>
+                            </p:stCondLst>
+                            <p:childTnLst>
+                              <p:par>
+                                <p:cTn id="25" presetID="22" presetClass="entr" presetSubtype="4" fill="hold" grpId="0" nodeType="clickEffect">
+                                  <p:stCondLst>
+                                    <p:cond delay="0"/>
+                                  </p:stCondLst>
+                                  <p:childTnLst>
+                                    <p:set>
+                                      <p:cBhvr>
+                                        <p:cTn id="26" dur="1" fill="hold">
+                                          <p:stCondLst>
+                                            <p:cond delay="0"/>
+                                          </p:stCondLst>
+                                        </p:cTn>
+                                        <p:tgtEl>
+                                          <p:spTgt spid="3">
+                                            <p:txEl>
+                                              <p:pRg st="4" end="4"/>
+                                            </p:txEl>
+                                          </p:spTgt>
+                                        </p:tgtEl>
+                                        <p:attrNameLst>
+                                          <p:attrName>style.visibility</p:attrName>
+                                        </p:attrNameLst>
+                                      </p:cBhvr>
+                                      <p:to>
+                                        <p:strVal val="visible"/>
+                                      </p:to>
+                                    </p:set>
+                                    <p:animEffect transition="in" filter="wipe(down)">
+                                      <p:cBhvr>
+                                        <p:cTn id="27" dur="500"/>
+                                        <p:tgtEl>
+                                          <p:spTgt spid="3">
+                                            <p:txEl>
+                                              <p:pRg st="4" end="4"/>
+                                            </p:txEl>
+                                          </p:spTgt>
+                                        </p:tgtEl>
+                                      </p:cBhvr>
+                                    </p:animEffect>
+                                  </p:childTnLst>
+                                </p:cTn>
+                              </p:par>
+                            </p:childTnLst>
+                          </p:cTn>
+                        </p:par>
+                      </p:childTnLst>
+                    </p:cTn>
+                  </p:par>
+                  <p:par>
+                    <p:cTn id="28" fill="hold">
+                      <p:stCondLst>
+                        <p:cond delay="indefinite"/>
+                      </p:stCondLst>
+                      <p:childTnLst>
+                        <p:par>
+                          <p:cTn id="29" fill="hold">
+                            <p:stCondLst>
+                              <p:cond delay="0"/>
+                            </p:stCondLst>
+                            <p:childTnLst>
+                              <p:par>
+                                <p:cTn id="30" presetID="22" presetClass="entr" presetSubtype="4" fill="hold" grpId="0" nodeType="clickEffect">
+                                  <p:stCondLst>
+                                    <p:cond delay="0"/>
+                                  </p:stCondLst>
+                                  <p:childTnLst>
+                                    <p:set>
+                                      <p:cBhvr>
+                                        <p:cTn id="31" dur="1" fill="hold">
+                                          <p:stCondLst>
+                                            <p:cond delay="0"/>
+                                          </p:stCondLst>
+                                        </p:cTn>
+                                        <p:tgtEl>
+                                          <p:spTgt spid="3">
+                                            <p:txEl>
+                                              <p:pRg st="5" end="5"/>
+                                            </p:txEl>
+                                          </p:spTgt>
+                                        </p:tgtEl>
+                                        <p:attrNameLst>
+                                          <p:attrName>style.visibility</p:attrName>
+                                        </p:attrNameLst>
+                                      </p:cBhvr>
+                                      <p:to>
+                                        <p:strVal val="visible"/>
+                                      </p:to>
+                                    </p:set>
+                                    <p:animEffect transition="in" filter="wipe(down)">
+                                      <p:cBhvr>
+                                        <p:cTn id="32" dur="500"/>
+                                        <p:tgtEl>
+                                          <p:spTgt spid="3">
+                                            <p:txEl>
+                                              <p:pRg st="5" end="5"/>
+                                            </p:txEl>
+                                          </p:spTgt>
+                                        </p:tgtEl>
+                                      </p:cBhvr>
+                                    </p:animEffect>
+                                  </p:childTnLst>
+                                </p:cTn>
+                              </p:par>
+                            </p:childTnLst>
+                          </p:cTn>
+                        </p:par>
+                      </p:childTnLst>
+                    </p:cTn>
+                  </p:par>
+                  <p:par>
+                    <p:cTn id="33" fill="hold">
+                      <p:stCondLst>
+                        <p:cond delay="indefinite"/>
+                      </p:stCondLst>
+                      <p:childTnLst>
+                        <p:par>
+                          <p:cTn id="34" fill="hold">
+                            <p:stCondLst>
+                              <p:cond delay="0"/>
+                            </p:stCondLst>
+                            <p:childTnLst>
+                              <p:par>
+                                <p:cTn id="35" presetID="22" presetClass="entr" presetSubtype="4" fill="hold" grpId="0" nodeType="clickEffect">
+                                  <p:stCondLst>
+                                    <p:cond delay="0"/>
+                                  </p:stCondLst>
+                                  <p:childTnLst>
+                                    <p:set>
+                                      <p:cBhvr>
+                                        <p:cTn id="36" dur="1" fill="hold">
+                                          <p:stCondLst>
+                                            <p:cond delay="0"/>
+                                          </p:stCondLst>
+                                        </p:cTn>
+                                        <p:tgtEl>
+                                          <p:spTgt spid="3">
+                                            <p:txEl>
+                                              <p:pRg st="6" end="6"/>
+                                            </p:txEl>
+                                          </p:spTgt>
+                                        </p:tgtEl>
+                                        <p:attrNameLst>
+                                          <p:attrName>style.visibility</p:attrName>
+                                        </p:attrNameLst>
+                                      </p:cBhvr>
+                                      <p:to>
+                                        <p:strVal val="visible"/>
+                                      </p:to>
+                                    </p:set>
+                                    <p:animEffect transition="in" filter="wipe(down)">
+                                      <p:cBhvr>
+                                        <p:cTn id="37" dur="500"/>
+                                        <p:tgtEl>
+                                          <p:spTgt spid="3">
+                                            <p:txEl>
+                                              <p:pRg st="6" end="6"/>
+                                            </p:txEl>
+                                          </p:spTgt>
+                                        </p:tgtEl>
+                                      </p:cBhvr>
+                                    </p:animEffect>
+                                  </p:childTnLst>
+                                </p:cTn>
+                              </p:par>
+                            </p:childTnLst>
+                          </p:cTn>
+                        </p:par>
+                      </p:childTnLst>
+                    </p:cTn>
+                  </p:par>
+                  <p:par>
+                    <p:cTn id="38" fill="hold">
+                      <p:stCondLst>
+                        <p:cond delay="indefinite"/>
+                      </p:stCondLst>
+                      <p:childTnLst>
+                        <p:par>
+                          <p:cTn id="39" fill="hold">
+                            <p:stCondLst>
+                              <p:cond delay="0"/>
+                            </p:stCondLst>
+                            <p:childTnLst>
+                              <p:par>
+                                <p:cTn id="40" presetID="22" presetClass="entr" presetSubtype="4" fill="hold" grpId="0" nodeType="clickEffect">
+                                  <p:stCondLst>
+                                    <p:cond delay="0"/>
+                                  </p:stCondLst>
+                                  <p:childTnLst>
+                                    <p:set>
+                                      <p:cBhvr>
+                                        <p:cTn id="41" dur="1" fill="hold">
+                                          <p:stCondLst>
+                                            <p:cond delay="0"/>
+                                          </p:stCondLst>
+                                        </p:cTn>
+                                        <p:tgtEl>
+                                          <p:spTgt spid="3">
+                                            <p:txEl>
+                                              <p:pRg st="7" end="7"/>
+                                            </p:txEl>
+                                          </p:spTgt>
+                                        </p:tgtEl>
+                                        <p:attrNameLst>
+                                          <p:attrName>style.visibility</p:attrName>
+                                        </p:attrNameLst>
+                                      </p:cBhvr>
+                                      <p:to>
+                                        <p:strVal val="visible"/>
+                                      </p:to>
+                                    </p:set>
+                                    <p:animEffect transition="in" filter="wipe(down)">
+                                      <p:cBhvr>
+                                        <p:cTn id="42" dur="500"/>
+                                        <p:tgtEl>
+                                          <p:spTgt spid="3">
+                                            <p:txEl>
+                                              <p:pRg st="7" end="7"/>
+                                            </p:txEl>
+                                          </p:spTgt>
+                                        </p:tgtEl>
+                                      </p:cBhvr>
+                                    </p:animEffect>
+                                  </p:childTnLst>
+                                </p:cTn>
+                              </p:par>
+                            </p:childTnLst>
+                          </p:cTn>
+                        </p:par>
+                      </p:childTnLst>
+                    </p:cTn>
+                  </p:par>
+                </p:childTnLst>
+              </p:cTn>
+              <p:prevCondLst>
+                <p:cond evt="onPrev" delay="0">
+                  <p:tgtEl>
+                    <p:sldTgt/>
+                  </p:tgtEl>
+                </p:cond>
+              </p:prevCondLst>
+              <p:nextCondLst>
+                <p:cond evt="onNext" delay="0">
+                  <p:tgtEl>
+                    <p:sldTgt/>
+                  </p:tgtEl>
+                </p:cond>
+              </p:nextCondLst>
+            </p:seq>
+          </p:childTnLst>
+        </p:cTn>
+      </p:par>
+    </p:tnLst>
+    <p:bldLst>
+      <p:bldP spid="3" grpId="0" build="p"/>
+    </p:bldLst>
+  </p:timing>
+</p:sld>
+</file>
+
+<file path=ppt/slides/slide9.xml><?xml version="1.0" encoding="utf-8"?>
+<p:sld xmlns:a="http://schemas.openxmlformats.org/drawingml/2006/main" xmlns:r="http://schemas.openxmlformats.org/officeDocument/2006/relationships" xmlns:p="http://schemas.openxmlformats.org/presentationml/2006/main">
+  <p:cSld>
+    <p:spTree>
+      <p:nvGrpSpPr>
+        <p:cNvPr id="1" name=""/>
+        <p:cNvGrpSpPr/>
+        <p:nvPr/>
+      </p:nvGrpSpPr>
+      <p:grpSpPr>
+        <a:xfrm>
+          <a:off x="0" y="0"/>
+          <a:ext cx="0" cy="0"/>
+          <a:chOff x="0" y="0"/>
+          <a:chExt cx="0" cy="0"/>
+        </a:xfrm>
+      </p:grpSpPr>
+      <p:sp>
+        <p:nvSpPr>
+          <p:cNvPr id="2" name="Title 1">
+            <a:extLst>
+              <a:ext uri="{FF2B5EF4-FFF2-40B4-BE49-F238E27FC236}">
+                <a16:creationId xmlns="" xmlns:a16="http://schemas.microsoft.com/office/drawing/2014/main" id="{C1EC354D-BD40-AF45-9424-4889460F4868}"/>
+              </a:ext>
+            </a:extLst>
+          </p:cNvPr>
+          <p:cNvSpPr>
+            <a:spLocks noGrp="1"/>
+          </p:cNvSpPr>
+          <p:nvPr>
+            <p:ph type="title"/>
+          </p:nvPr>
+        </p:nvSpPr>
+        <p:spPr/>
+        <p:txBody>
+          <a:bodyPr/>
+          <a:lstStyle/>
+          <a:p>
+            <a:r>
+              <a:rPr lang="en-US" dirty="0" smtClean="0"/>
+              <a:t>Our Attempt</a:t>
+            </a:r>
+            <a:endParaRPr lang="en-US" dirty="0"/>
+          </a:p>
+        </p:txBody>
+      </p:sp>
+      <p:sp>
+        <p:nvSpPr>
+          <p:cNvPr id="3" name="Content Placeholder 2">
+            <a:extLst>
+              <a:ext uri="{FF2B5EF4-FFF2-40B4-BE49-F238E27FC236}">
+                <a16:creationId xmlns="" xmlns:a16="http://schemas.microsoft.com/office/drawing/2014/main" id="{9CEF9568-B20E-2144-B5A8-CE268B55E4C7}"/>
+              </a:ext>
+            </a:extLst>
+          </p:cNvPr>
+          <p:cNvSpPr>
+            <a:spLocks noGrp="1"/>
+          </p:cNvSpPr>
+          <p:nvPr>
+            <p:ph idx="1"/>
+          </p:nvPr>
+        </p:nvSpPr>
+        <p:spPr/>
+        <p:txBody>
+          <a:bodyPr>
+            <a:normAutofit/>
+          </a:bodyPr>
+          <a:lstStyle/>
+          <a:p>
+            <a:r>
+              <a:rPr lang="en-US" dirty="0" smtClean="0"/>
+              <a:t>Key idea: Explore efficiently</a:t>
+            </a:r>
+          </a:p>
+          <a:p>
+            <a:endParaRPr lang="en-US" dirty="0" smtClean="0"/>
+          </a:p>
+          <a:p>
+            <a:r>
+              <a:rPr lang="en-US" dirty="0" smtClean="0"/>
+              <a:t>The effect of </a:t>
+            </a:r>
+            <a:r>
+              <a:rPr lang="en-US" dirty="0" err="1" smtClean="0"/>
+              <a:t>subgoal</a:t>
+            </a:r>
+            <a:r>
+              <a:rPr lang="en-US" dirty="0" smtClean="0"/>
+              <a:t> in the previous example</a:t>
+            </a:r>
+          </a:p>
+          <a:p>
+            <a:endParaRPr lang="en-US" dirty="0" smtClean="0"/>
+          </a:p>
+          <a:p>
+            <a:r>
+              <a:rPr lang="en-US" dirty="0" smtClean="0"/>
+              <a:t>Other thinking</a:t>
+            </a:r>
+          </a:p>
+          <a:p>
+            <a:pPr>
+              <a:buNone/>
+            </a:pPr>
+            <a:r>
+              <a:rPr lang="en-US" dirty="0" smtClean="0"/>
+              <a:t>		Random </a:t>
+            </a:r>
+            <a:r>
+              <a:rPr lang="en-US" dirty="0" err="1" smtClean="0"/>
+              <a:t>subgoal</a:t>
+            </a:r>
+            <a:endParaRPr lang="en-US" dirty="0" smtClean="0"/>
+          </a:p>
+          <a:p>
+            <a:pPr>
+              <a:buNone/>
+            </a:pPr>
+            <a:r>
+              <a:rPr lang="en-US" dirty="0" smtClean="0"/>
+              <a:t>		“most unknown” </a:t>
+            </a:r>
+            <a:r>
+              <a:rPr lang="en-US" dirty="0" err="1" smtClean="0"/>
+              <a:t>subgoal</a:t>
+            </a:r>
+            <a:endParaRPr lang="en-US" dirty="0" smtClean="0"/>
+          </a:p>
+          <a:p>
+            <a:endParaRPr lang="en-US" dirty="0" smtClean="0"/>
+          </a:p>
+          <a:p>
+            <a:endParaRPr lang="en-US" dirty="0" smtClean="0"/>
+          </a:p>
+          <a:p>
+            <a:endParaRPr lang="en-US" dirty="0"/>
+          </a:p>
+        </p:txBody>
+      </p:sp>
+      <p:pic>
+        <p:nvPicPr>
+          <p:cNvPr id="4" name="Picture 3">
+            <a:extLst>
+              <a:ext uri="{FF2B5EF4-FFF2-40B4-BE49-F238E27FC236}">
+                <a16:creationId xmlns="" xmlns:a16="http://schemas.microsoft.com/office/drawing/2014/main" id="{CCFE3379-42EC-764F-ACDD-FF3E8BCE3C47}"/>
+              </a:ext>
+            </a:extLst>
+          </p:cNvPr>
+          <p:cNvPicPr>
+            <a:picLocks noChangeAspect="1"/>
+          </p:cNvPicPr>
+          <p:nvPr/>
+        </p:nvPicPr>
+        <p:blipFill>
+          <a:blip r:embed="rId2"/>
+          <a:stretch>
+            <a:fillRect/>
+          </a:stretch>
+        </p:blipFill>
+        <p:spPr>
+          <a:xfrm>
+            <a:off x="5730552" y="1043339"/>
+            <a:ext cx="6229738" cy="1564572"/>
+          </a:xfrm>
+          <a:prstGeom prst="rect">
+            <a:avLst/>
+          </a:prstGeom>
+        </p:spPr>
+      </p:pic>
+    </p:spTree>
+    <p:extLst>
+      <p:ext uri="{BB962C8B-B14F-4D97-AF65-F5344CB8AC3E}">
+        <p14:creationId xmlns="" xmlns:p14="http://schemas.microsoft.com/office/powerpoint/2010/main" val="3336687296"/>
+      </p:ext>
+    </p:extLst>
+  </p:cSld>
+  <p:clrMapOvr>
+    <a:masterClrMapping/>
+  </p:clrMapOvr>
+  <p:transition/>
+  <p:timing>
+    <p:tnLst>
+      <p:par>
+        <p:cTn id="1" dur="indefinite" restart="never" nodeType="tmRoot">
+          <p:childTnLst>
+            <p:seq concurrent="1" nextAc="seek">
+              <p:cTn id="2" dur="indefinite" nodeType="mainSeq">
+                <p:childTnLst>
+                  <p:par>
+                    <p:cTn id="3" fill="hold">
+                      <p:stCondLst>
+                        <p:cond delay="indefinite"/>
+                      </p:stCondLst>
+                      <p:childTnLst>
+                        <p:par>
+                          <p:cTn id="4" fill="hold">
+                            <p:stCondLst>
+                              <p:cond delay="0"/>
+                            </p:stCondLst>
+                            <p:childTnLst>
+                              <p:par>
+                                <p:cTn id="5" presetID="10" presetClass="entr" presetSubtype="0" fill="hold" grpId="0" nodeType="clickEffect">
+                                  <p:stCondLst>
+                                    <p:cond delay="0"/>
+                                  </p:stCondLst>
+                                  <p:childTnLst>
+                                    <p:set>
+                                      <p:cBhvr>
+                                        <p:cTn id="6" dur="1" fill="hold">
+                                          <p:stCondLst>
+                                            <p:cond delay="0"/>
+                                          </p:stCondLst>
+                                        </p:cTn>
+                                        <p:tgtEl>
+                                          <p:spTgt spid="3">
+                                            <p:txEl>
+                                              <p:pRg st="0" end="0"/>
+                                            </p:txEl>
+                                          </p:spTgt>
+                                        </p:tgtEl>
+                                        <p:attrNameLst>
+                                          <p:attrName>style.visibility</p:attrName>
+                                        </p:attrNameLst>
+                                      </p:cBhvr>
+                                      <p:to>
+                                        <p:strVal val="visible"/>
+                                      </p:to>
+                                    </p:set>
+                                    <p:animEffect transition="in" filter="fade">
+                                      <p:cBhvr>
+                                        <p:cTn id="7" dur="500"/>
+                                        <p:tgtEl>
+                                          <p:spTgt spid="3">
+                                            <p:txEl>
+                                              <p:pRg st="0" end="0"/>
+                                            </p:txEl>
+                                          </p:spTgt>
+                                        </p:tgtEl>
+                                      </p:cBhvr>
+                                    </p:animEffect>
+                                  </p:childTnLst>
+                                </p:cTn>
+                              </p:par>
+                            </p:childTnLst>
+                          </p:cTn>
+                        </p:par>
+                      </p:childTnLst>
+                    </p:cTn>
+                  </p:par>
+                  <p:par>
+                    <p:cTn id="8" fill="hold">
+                      <p:stCondLst>
+                        <p:cond delay="indefinite"/>
+                      </p:stCondLst>
+                      <p:childTnLst>
+                        <p:par>
+                          <p:cTn id="9" fill="hold">
+                            <p:stCondLst>
+                              <p:cond delay="0"/>
+                            </p:stCondLst>
+                            <p:childTnLst>
+                              <p:par>
+                                <p:cTn id="10" presetID="10" presetClass="entr" presetSubtype="0" fill="hold" grpId="0" nodeType="clickEffect">
+                                  <p:stCondLst>
+                                    <p:cond delay="0"/>
+                                  </p:stCondLst>
+                                  <p:childTnLst>
+                                    <p:set>
+                                      <p:cBhvr>
+                                        <p:cTn id="11" dur="1" fill="hold">
+                                          <p:stCondLst>
+                                            <p:cond delay="0"/>
+                                          </p:stCondLst>
+                                        </p:cTn>
+                                        <p:tgtEl>
+                                          <p:spTgt spid="3">
+                                            <p:txEl>
+                                              <p:pRg st="2" end="2"/>
+                                            </p:txEl>
+                                          </p:spTgt>
+                                        </p:tgtEl>
+                                        <p:attrNameLst>
+                                          <p:attrName>style.visibility</p:attrName>
+                                        </p:attrNameLst>
+                                      </p:cBhvr>
+                                      <p:to>
+                                        <p:strVal val="visible"/>
+                                      </p:to>
+                                    </p:set>
+                                    <p:animEffect transition="in" filter="fade">
+                                      <p:cBhvr>
+                                        <p:cTn id="12" dur="500"/>
+                                        <p:tgtEl>
+                                          <p:spTgt spid="3">
+                                            <p:txEl>
+                                              <p:pRg st="2" end="2"/>
+                                            </p:txEl>
+                                          </p:spTgt>
+                                        </p:tgtEl>
+                                      </p:cBhvr>
+                                    </p:animEffect>
+                                  </p:childTnLst>
+                                </p:cTn>
+                              </p:par>
+                            </p:childTnLst>
+                          </p:cTn>
+                        </p:par>
+                      </p:childTnLst>
+                    </p:cTn>
+                  </p:par>
+                  <p:par>
+                    <p:cTn id="13" fill="hold">
+                      <p:stCondLst>
+                        <p:cond delay="indefinite"/>
+                      </p:stCondLst>
+                      <p:childTnLst>
+                        <p:par>
+                          <p:cTn id="14" fill="hold">
+                            <p:stCondLst>
+                              <p:cond delay="0"/>
+                            </p:stCondLst>
+                            <p:childTnLst>
+                              <p:par>
+                                <p:cTn id="15" presetID="10" presetClass="entr" presetSubtype="0" fill="hold" grpId="0" nodeType="clickEffect">
+                                  <p:stCondLst>
+                                    <p:cond delay="0"/>
+                                  </p:stCondLst>
+                                  <p:childTnLst>
+                                    <p:set>
+                                      <p:cBhvr>
+                                        <p:cTn id="16" dur="1" fill="hold">
+                                          <p:stCondLst>
+                                            <p:cond delay="0"/>
+                                          </p:stCondLst>
+                                        </p:cTn>
+                                        <p:tgtEl>
+                                          <p:spTgt spid="3">
+                                            <p:txEl>
+                                              <p:pRg st="4" end="4"/>
+                                            </p:txEl>
+                                          </p:spTgt>
+                                        </p:tgtEl>
+                                        <p:attrNameLst>
+                                          <p:attrName>style.visibility</p:attrName>
+                                        </p:attrNameLst>
+                                      </p:cBhvr>
+                                      <p:to>
+                                        <p:strVal val="visible"/>
+                                      </p:to>
+                                    </p:set>
+                                    <p:animEffect transition="in" filter="fade">
+                                      <p:cBhvr>
+                                        <p:cTn id="17" dur="500"/>
+                                        <p:tgtEl>
+                                          <p:spTgt spid="3">
+                                            <p:txEl>
+                                              <p:pRg st="4" end="4"/>
+                                            </p:txEl>
+                                          </p:spTgt>
+                                        </p:tgtEl>
+                                      </p:cBhvr>
+                                    </p:animEffect>
+                                  </p:childTnLst>
+                                </p:cTn>
+                              </p:par>
+                            </p:childTnLst>
+                          </p:cTn>
+                        </p:par>
+                      </p:childTnLst>
+                    </p:cTn>
+                  </p:par>
+                  <p:par>
+                    <p:cTn id="18" fill="hold">
+                      <p:stCondLst>
+                        <p:cond delay="indefinite"/>
+                      </p:stCondLst>
+                      <p:childTnLst>
+                        <p:par>
+                          <p:cTn id="19" fill="hold">
+                            <p:stCondLst>
+                              <p:cond delay="0"/>
+                            </p:stCondLst>
+                            <p:childTnLst>
+                              <p:par>
+                                <p:cTn id="20" presetID="10" presetClass="entr" presetSubtype="0" fill="hold" grpId="0" nodeType="clickEffect">
+                                  <p:stCondLst>
+                                    <p:cond delay="0"/>
+                                  </p:stCondLst>
+                                  <p:childTnLst>
+                                    <p:set>
+                                      <p:cBhvr>
+                                        <p:cTn id="21" dur="1" fill="hold">
+                                          <p:stCondLst>
+                                            <p:cond delay="0"/>
+                                          </p:stCondLst>
+                                        </p:cTn>
+                                        <p:tgtEl>
+                                          <p:spTgt spid="3">
+                                            <p:txEl>
+                                              <p:pRg st="5" end="5"/>
+                                            </p:txEl>
+                                          </p:spTgt>
+                                        </p:tgtEl>
+                                        <p:attrNameLst>
+                                          <p:attrName>style.visibility</p:attrName>
+                                        </p:attrNameLst>
+                                      </p:cBhvr>
+                                      <p:to>
+                                        <p:strVal val="visible"/>
+                                      </p:to>
+                                    </p:set>
+                                    <p:animEffect transition="in" filter="fade">
+                                      <p:cBhvr>
+                                        <p:cTn id="22" dur="500"/>
+                                        <p:tgtEl>
+                                          <p:spTgt spid="3">
+                                            <p:txEl>
+                                              <p:pRg st="5" end="5"/>
+                                            </p:txEl>
+                                          </p:spTgt>
+                                        </p:tgtEl>
+                                      </p:cBhvr>
+                                    </p:animEffect>
+                                  </p:childTnLst>
+                                </p:cTn>
+                              </p:par>
+                            </p:childTnLst>
+                          </p:cTn>
+                        </p:par>
+                      </p:childTnLst>
+                    </p:cTn>
+                  </p:par>
+                  <p:par>
+                    <p:cTn id="23" fill="hold">
+                      <p:stCondLst>
+                        <p:cond delay="indefinite"/>
+                      </p:stCondLst>
+                      <p:childTnLst>
+                        <p:par>
+                          <p:cTn id="24" fill="hold">
+                            <p:stCondLst>
+                              <p:cond delay="0"/>
+                            </p:stCondLst>
+                            <p:childTnLst>
+                              <p:par>
+                                <p:cTn id="25" presetID="10" presetClass="entr" presetSubtype="0" fill="hold" grpId="0" nodeType="clickEffect">
+                                  <p:stCondLst>
+                                    <p:cond delay="0"/>
+                                  </p:stCondLst>
+                                  <p:childTnLst>
+                                    <p:set>
+                                      <p:cBhvr>
+                                        <p:cTn id="26" dur="1" fill="hold">
+                                          <p:stCondLst>
+                                            <p:cond delay="0"/>
+                                          </p:stCondLst>
+                                        </p:cTn>
+                                        <p:tgtEl>
+                                          <p:spTgt spid="3">
+                                            <p:txEl>
+                                              <p:pRg st="6" end="6"/>
+                                            </p:txEl>
+                                          </p:spTgt>
+                                        </p:tgtEl>
+                                        <p:attrNameLst>
+                                          <p:attrName>style.visibility</p:attrName>
+                                        </p:attrNameLst>
+                                      </p:cBhvr>
+                                      <p:to>
+                                        <p:strVal val="visible"/>
+                                      </p:to>
+                                    </p:set>
+                                    <p:animEffect transition="in" filter="fade">
+                                      <p:cBhvr>
+                                        <p:cTn id="27" dur="500"/>
+                                        <p:tgtEl>
+                                          <p:spTgt spid="3">
+                                            <p:txEl>
+                                              <p:pRg st="6" end="6"/>
+                                            </p:txEl>
+                                          </p:spTgt>
+                                        </p:tgtEl>
+                                      </p:cBhvr>
+                                    </p:animEffect>
+                                  </p:childTnLst>
+                                </p:cTn>
+                              </p:par>
+                            </p:childTnLst>
+                          </p:cTn>
+                        </p:par>
+                      </p:childTnLst>
+                    </p:cTn>
+                  </p:par>
+                </p:childTnLst>
+              </p:cTn>
+              <p:prevCondLst>
+                <p:cond evt="onPrev" delay="0">
+                  <p:tgtEl>
+                    <p:sldTgt/>
+                  </p:tgtEl>
+                </p:cond>
+              </p:prevCondLst>
+              <p:nextCondLst>
+                <p:cond evt="onNext" delay="0">
+                  <p:tgtEl>
+                    <p:sldTgt/>
+                  </p:tgtEl>
+                </p:cond>
+              </p:nextCondLst>
+            </p:seq>
+          </p:childTnLst>
+        </p:cTn>
+      </p:par>
+    </p:tnLst>
+    <p:bldLst>
+      <p:bldP spid="3" grpId="0" uiExpand="1" build="p"/>
+    </p:bldLst>
+  </p:timing>
 </p:sld>
 </file>
 
@@ -5606,7 +8767,7 @@
     </a:clrScheme>
     <a:fontScheme name="Office">
       <a:majorFont>
-        <a:latin typeface="Calibri Light" panose="020F0302020204030204"/>
+        <a:latin typeface="Calibri Light"/>
         <a:ea typeface=""/>
         <a:cs typeface=""/>
         <a:font script="Jpan" typeface="游ゴシック Light"/>
@@ -5658,7 +8819,7 @@
         <a:font script="Tfng" typeface="Ebrima"/>
       </a:majorFont>
       <a:minorFont>
-        <a:latin typeface="Calibri" panose="020F0502020204030204"/>
+        <a:latin typeface="Calibri"/>
         <a:ea typeface=""/>
         <a:cs typeface=""/>
         <a:font script="Jpan" typeface="游ゴシック"/>
@@ -5852,7 +9013,7 @@
   <a:extraClrSchemeLst/>
   <a:extLst>
     <a:ext uri="{05A4C25C-085E-4340-85A3-A5531E510DB2}">
-      <thm15:themeFamily xmlns:thm15="http://schemas.microsoft.com/office/thememl/2012/main" name="Office Theme" id="{62F939B6-93AF-4DB8-9C6B-D6C7DFDC589F}" vid="{4A3C46E8-61CC-4603-A589-7422A47A8E4A}"/>
+      <thm15:themeFamily xmlns="" xmlns:thm15="http://schemas.microsoft.com/office/thememl/2012/main" name="Office Theme" id="{62F939B6-93AF-4DB8-9C6B-D6C7DFDC589F}" vid="{4A3C46E8-61CC-4603-A589-7422A47A8E4A}"/>
     </a:ext>
   </a:extLst>
 </a:theme>
